--- a/AtodTestPRU/TSL1401-BBBlue-interface.pptx
+++ b/AtodTestPRU/TSL1401-BBBlue-interface.pptx
@@ -6,7 +6,6 @@
   </p:sldMasterIdLst>
   <p:sldIdLst>
     <p:sldId id="256" r:id="rId2"/>
-    <p:sldId id="257" r:id="rId3"/>
   </p:sldIdLst>
   <p:sldSz cx="9144000" cy="6858000" type="screen4x3"/>
   <p:notesSz cx="6858000" cy="9144000"/>
@@ -6005,6 +6004,126 @@
           </a:p>
         </p:txBody>
       </p:sp>
+      <p:sp>
+        <p:nvSpPr>
+          <p:cNvPr id="2" name="TextBox 1"/>
+          <p:cNvSpPr txBox="1"/>
+          <p:nvPr/>
+        </p:nvSpPr>
+        <p:spPr>
+          <a:xfrm>
+            <a:off x="7034063" y="6198175"/>
+            <a:ext cx="463588" cy="369332"/>
+          </a:xfrm>
+          <a:prstGeom prst="rect">
+            <a:avLst/>
+          </a:prstGeom>
+          <a:noFill/>
+        </p:spPr>
+        <p:txBody>
+          <a:bodyPr wrap="none" rtlCol="0">
+            <a:spAutoFit/>
+          </a:bodyPr>
+          <a:lstStyle/>
+          <a:p>
+            <a:r>
+              <a:rPr lang="en-US" dirty="0" err="1" smtClean="0"/>
+              <a:t>blk</a:t>
+            </a:r>
+            <a:endParaRPr lang="en-US" dirty="0"/>
+          </a:p>
+        </p:txBody>
+      </p:sp>
+      <p:sp>
+        <p:nvSpPr>
+          <p:cNvPr id="74" name="TextBox 73"/>
+          <p:cNvSpPr txBox="1"/>
+          <p:nvPr/>
+        </p:nvSpPr>
+        <p:spPr>
+          <a:xfrm>
+            <a:off x="7017405" y="5914952"/>
+            <a:ext cx="499047" cy="369332"/>
+          </a:xfrm>
+          <a:prstGeom prst="rect">
+            <a:avLst/>
+          </a:prstGeom>
+          <a:noFill/>
+        </p:spPr>
+        <p:txBody>
+          <a:bodyPr wrap="none" rtlCol="0">
+            <a:spAutoFit/>
+          </a:bodyPr>
+          <a:lstStyle/>
+          <a:p>
+            <a:r>
+              <a:rPr lang="en-US" dirty="0" smtClean="0"/>
+              <a:t>red</a:t>
+            </a:r>
+            <a:endParaRPr lang="en-US" dirty="0"/>
+          </a:p>
+        </p:txBody>
+      </p:sp>
+      <p:sp>
+        <p:nvSpPr>
+          <p:cNvPr id="75" name="TextBox 74"/>
+          <p:cNvSpPr txBox="1"/>
+          <p:nvPr/>
+        </p:nvSpPr>
+        <p:spPr>
+          <a:xfrm>
+            <a:off x="7003697" y="5602390"/>
+            <a:ext cx="454355" cy="369332"/>
+          </a:xfrm>
+          <a:prstGeom prst="rect">
+            <a:avLst/>
+          </a:prstGeom>
+          <a:noFill/>
+        </p:spPr>
+        <p:txBody>
+          <a:bodyPr wrap="none" rtlCol="0">
+            <a:spAutoFit/>
+          </a:bodyPr>
+          <a:lstStyle/>
+          <a:p>
+            <a:r>
+              <a:rPr lang="en-US" dirty="0" err="1" smtClean="0"/>
+              <a:t>yel</a:t>
+            </a:r>
+            <a:endParaRPr lang="en-US" dirty="0"/>
+          </a:p>
+        </p:txBody>
+      </p:sp>
+      <p:sp>
+        <p:nvSpPr>
+          <p:cNvPr id="77" name="TextBox 76"/>
+          <p:cNvSpPr txBox="1"/>
+          <p:nvPr/>
+        </p:nvSpPr>
+        <p:spPr>
+          <a:xfrm>
+            <a:off x="6954850" y="5302819"/>
+            <a:ext cx="546432" cy="369332"/>
+          </a:xfrm>
+          <a:prstGeom prst="rect">
+            <a:avLst/>
+          </a:prstGeom>
+          <a:noFill/>
+        </p:spPr>
+        <p:txBody>
+          <a:bodyPr wrap="none" rtlCol="0">
+            <a:spAutoFit/>
+          </a:bodyPr>
+          <a:lstStyle/>
+          <a:p>
+            <a:r>
+              <a:rPr lang="en-US" dirty="0" err="1" smtClean="0"/>
+              <a:t>wht</a:t>
+            </a:r>
+            <a:endParaRPr lang="en-US" dirty="0"/>
+          </a:p>
+        </p:txBody>
+      </p:sp>
     </p:spTree>
     <p:extLst>
       <p:ext uri="{BB962C8B-B14F-4D97-AF65-F5344CB8AC3E}">
@@ -6015,4951 +6134,13 @@
   <p:clrMapOvr>
     <a:masterClrMapping/>
   </p:clrMapOvr>
-</p:sld>
-</file>
-
-<file path=ppt/slides/slide2.xml><?xml version="1.0" encoding="utf-8"?>
-<p:sld xmlns:a="http://schemas.openxmlformats.org/drawingml/2006/main" xmlns:r="http://schemas.openxmlformats.org/officeDocument/2006/relationships" xmlns:p="http://schemas.openxmlformats.org/presentationml/2006/main">
-  <p:cSld>
-    <p:spTree>
-      <p:nvGrpSpPr>
-        <p:cNvPr id="1" name=""/>
-        <p:cNvGrpSpPr/>
-        <p:nvPr/>
-      </p:nvGrpSpPr>
-      <p:grpSpPr>
-        <a:xfrm>
-          <a:off x="0" y="0"/>
-          <a:ext cx="0" cy="0"/>
-          <a:chOff x="0" y="0"/>
-          <a:chExt cx="0" cy="0"/>
-        </a:xfrm>
-      </p:grpSpPr>
-      <p:sp>
-        <p:nvSpPr>
-          <p:cNvPr id="3" name="Oval 9"/>
-          <p:cNvSpPr>
-            <a:spLocks noChangeArrowheads="1"/>
-          </p:cNvSpPr>
-          <p:nvPr/>
-        </p:nvSpPr>
-        <p:spPr bwMode="auto">
-          <a:xfrm>
-            <a:off x="1233638" y="2291550"/>
-            <a:ext cx="407934" cy="441446"/>
-          </a:xfrm>
-          <a:prstGeom prst="ellipse">
-            <a:avLst/>
-          </a:prstGeom>
-          <a:noFill/>
-          <a:ln w="15875">
-            <a:solidFill>
-              <a:schemeClr val="tx1"/>
-            </a:solidFill>
-            <a:round/>
-            <a:headEnd/>
-            <a:tailEnd/>
-          </a:ln>
-          <a:extLst>
-            <a:ext uri="{909E8E84-426E-40DD-AFC4-6F175D3DCCD1}">
-              <a14:hiddenFill xmlns:a14="http://schemas.microsoft.com/office/drawing/2010/main">
-                <a:solidFill>
-                  <a:srgbClr val="FFFFFF"/>
-                </a:solidFill>
-              </a14:hiddenFill>
-            </a:ext>
-          </a:extLst>
-        </p:spPr>
-        <p:txBody>
-          <a:bodyPr wrap="none" anchor="ctr"/>
-          <a:lstStyle>
-            <a:lvl1pPr>
-              <a:spcBef>
-                <a:spcPct val="20000"/>
-              </a:spcBef>
-              <a:buFont typeface="Arial" panose="020B0604020202020204" pitchFamily="34" charset="0"/>
-              <a:buChar char="•"/>
-              <a:defRPr sz="3200">
-                <a:solidFill>
-                  <a:schemeClr val="tx1"/>
-                </a:solidFill>
-                <a:latin typeface="Calibri" panose="020F0502020204030204" pitchFamily="34" charset="0"/>
-              </a:defRPr>
-            </a:lvl1pPr>
-            <a:lvl2pPr marL="742950" indent="-285750">
-              <a:spcBef>
-                <a:spcPct val="20000"/>
-              </a:spcBef>
-              <a:buFont typeface="Arial" panose="020B0604020202020204" pitchFamily="34" charset="0"/>
-              <a:buChar char="–"/>
-              <a:defRPr sz="2800">
-                <a:solidFill>
-                  <a:schemeClr val="tx1"/>
-                </a:solidFill>
-                <a:latin typeface="Calibri" panose="020F0502020204030204" pitchFamily="34" charset="0"/>
-              </a:defRPr>
-            </a:lvl2pPr>
-            <a:lvl3pPr marL="1143000" indent="-228600">
-              <a:spcBef>
-                <a:spcPct val="20000"/>
-              </a:spcBef>
-              <a:buFont typeface="Arial" panose="020B0604020202020204" pitchFamily="34" charset="0"/>
-              <a:buChar char="•"/>
-              <a:defRPr sz="2400">
-                <a:solidFill>
-                  <a:schemeClr val="tx1"/>
-                </a:solidFill>
-                <a:latin typeface="Calibri" panose="020F0502020204030204" pitchFamily="34" charset="0"/>
-              </a:defRPr>
-            </a:lvl3pPr>
-            <a:lvl4pPr marL="1600200" indent="-228600">
-              <a:spcBef>
-                <a:spcPct val="20000"/>
-              </a:spcBef>
-              <a:buFont typeface="Arial" panose="020B0604020202020204" pitchFamily="34" charset="0"/>
-              <a:buChar char="–"/>
-              <a:defRPr sz="2000">
-                <a:solidFill>
-                  <a:schemeClr val="tx1"/>
-                </a:solidFill>
-                <a:latin typeface="Calibri" panose="020F0502020204030204" pitchFamily="34" charset="0"/>
-              </a:defRPr>
-            </a:lvl4pPr>
-            <a:lvl5pPr marL="2057400" indent="-228600">
-              <a:spcBef>
-                <a:spcPct val="20000"/>
-              </a:spcBef>
-              <a:buFont typeface="Arial" panose="020B0604020202020204" pitchFamily="34" charset="0"/>
-              <a:buChar char="»"/>
-              <a:defRPr sz="2000">
-                <a:solidFill>
-                  <a:schemeClr val="tx1"/>
-                </a:solidFill>
-                <a:latin typeface="Calibri" panose="020F0502020204030204" pitchFamily="34" charset="0"/>
-              </a:defRPr>
-            </a:lvl5pPr>
-            <a:lvl6pPr marL="2514600" indent="-228600" eaLnBrk="0" fontAlgn="base" hangingPunct="0">
-              <a:spcBef>
-                <a:spcPct val="20000"/>
-              </a:spcBef>
-              <a:spcAft>
-                <a:spcPct val="0"/>
-              </a:spcAft>
-              <a:buFont typeface="Arial" panose="020B0604020202020204" pitchFamily="34" charset="0"/>
-              <a:buChar char="»"/>
-              <a:defRPr sz="2000">
-                <a:solidFill>
-                  <a:schemeClr val="tx1"/>
-                </a:solidFill>
-                <a:latin typeface="Calibri" panose="020F0502020204030204" pitchFamily="34" charset="0"/>
-              </a:defRPr>
-            </a:lvl6pPr>
-            <a:lvl7pPr marL="2971800" indent="-228600" eaLnBrk="0" fontAlgn="base" hangingPunct="0">
-              <a:spcBef>
-                <a:spcPct val="20000"/>
-              </a:spcBef>
-              <a:spcAft>
-                <a:spcPct val="0"/>
-              </a:spcAft>
-              <a:buFont typeface="Arial" panose="020B0604020202020204" pitchFamily="34" charset="0"/>
-              <a:buChar char="»"/>
-              <a:defRPr sz="2000">
-                <a:solidFill>
-                  <a:schemeClr val="tx1"/>
-                </a:solidFill>
-                <a:latin typeface="Calibri" panose="020F0502020204030204" pitchFamily="34" charset="0"/>
-              </a:defRPr>
-            </a:lvl7pPr>
-            <a:lvl8pPr marL="3429000" indent="-228600" eaLnBrk="0" fontAlgn="base" hangingPunct="0">
-              <a:spcBef>
-                <a:spcPct val="20000"/>
-              </a:spcBef>
-              <a:spcAft>
-                <a:spcPct val="0"/>
-              </a:spcAft>
-              <a:buFont typeface="Arial" panose="020B0604020202020204" pitchFamily="34" charset="0"/>
-              <a:buChar char="»"/>
-              <a:defRPr sz="2000">
-                <a:solidFill>
-                  <a:schemeClr val="tx1"/>
-                </a:solidFill>
-                <a:latin typeface="Calibri" panose="020F0502020204030204" pitchFamily="34" charset="0"/>
-              </a:defRPr>
-            </a:lvl8pPr>
-            <a:lvl9pPr marL="3886200" indent="-228600" eaLnBrk="0" fontAlgn="base" hangingPunct="0">
-              <a:spcBef>
-                <a:spcPct val="20000"/>
-              </a:spcBef>
-              <a:spcAft>
-                <a:spcPct val="0"/>
-              </a:spcAft>
-              <a:buFont typeface="Arial" panose="020B0604020202020204" pitchFamily="34" charset="0"/>
-              <a:buChar char="»"/>
-              <a:defRPr sz="2000">
-                <a:solidFill>
-                  <a:schemeClr val="tx1"/>
-                </a:solidFill>
-                <a:latin typeface="Calibri" panose="020F0502020204030204" pitchFamily="34" charset="0"/>
-              </a:defRPr>
-            </a:lvl9pPr>
-          </a:lstStyle>
-          <a:p>
-            <a:pPr>
-              <a:spcBef>
-                <a:spcPct val="0"/>
-              </a:spcBef>
-              <a:buFontTx/>
-              <a:buNone/>
-            </a:pPr>
-            <a:endParaRPr lang="en-US" altLang="en-US" sz="1600">
-              <a:latin typeface="Times" panose="02020603050405020304" pitchFamily="18" charset="0"/>
-            </a:endParaRPr>
-          </a:p>
-        </p:txBody>
-      </p:sp>
-      <p:sp>
-        <p:nvSpPr>
-          <p:cNvPr id="4" name="Text Box 10"/>
-          <p:cNvSpPr txBox="1">
-            <a:spLocks noChangeArrowheads="1"/>
-          </p:cNvSpPr>
-          <p:nvPr/>
-        </p:nvSpPr>
-        <p:spPr bwMode="auto">
-          <a:xfrm>
-            <a:off x="1293869" y="2197168"/>
-            <a:ext cx="327197" cy="646189"/>
-          </a:xfrm>
-          <a:prstGeom prst="rect">
-            <a:avLst/>
-          </a:prstGeom>
-          <a:noFill/>
-          <a:ln>
-            <a:noFill/>
-          </a:ln>
-          <a:extLst>
-            <a:ext uri="{909E8E84-426E-40DD-AFC4-6F175D3DCCD1}">
-              <a14:hiddenFill xmlns:a14="http://schemas.microsoft.com/office/drawing/2010/main">
-                <a:solidFill>
-                  <a:srgbClr val="FFFFFF"/>
-                </a:solidFill>
-              </a14:hiddenFill>
-            </a:ext>
-            <a:ext uri="{91240B29-F687-4F45-9708-019B960494DF}">
-              <a14:hiddenLine xmlns:a14="http://schemas.microsoft.com/office/drawing/2010/main" w="9525">
-                <a:solidFill>
-                  <a:srgbClr val="000000"/>
-                </a:solidFill>
-                <a:miter lim="800000"/>
-                <a:headEnd/>
-                <a:tailEnd/>
-              </a14:hiddenLine>
-            </a:ext>
-          </a:extLst>
-        </p:spPr>
-        <p:txBody>
-          <a:bodyPr>
-            <a:spAutoFit/>
-          </a:bodyPr>
-          <a:lstStyle>
-            <a:lvl1pPr>
-              <a:spcBef>
-                <a:spcPct val="20000"/>
-              </a:spcBef>
-              <a:buFont typeface="Arial" panose="020B0604020202020204" pitchFamily="34" charset="0"/>
-              <a:buChar char="•"/>
-              <a:defRPr sz="3200">
-                <a:solidFill>
-                  <a:schemeClr val="tx1"/>
-                </a:solidFill>
-                <a:latin typeface="Calibri" panose="020F0502020204030204" pitchFamily="34" charset="0"/>
-              </a:defRPr>
-            </a:lvl1pPr>
-            <a:lvl2pPr marL="742950" indent="-285750">
-              <a:spcBef>
-                <a:spcPct val="20000"/>
-              </a:spcBef>
-              <a:buFont typeface="Arial" panose="020B0604020202020204" pitchFamily="34" charset="0"/>
-              <a:buChar char="–"/>
-              <a:defRPr sz="2800">
-                <a:solidFill>
-                  <a:schemeClr val="tx1"/>
-                </a:solidFill>
-                <a:latin typeface="Calibri" panose="020F0502020204030204" pitchFamily="34" charset="0"/>
-              </a:defRPr>
-            </a:lvl2pPr>
-            <a:lvl3pPr marL="1143000" indent="-228600">
-              <a:spcBef>
-                <a:spcPct val="20000"/>
-              </a:spcBef>
-              <a:buFont typeface="Arial" panose="020B0604020202020204" pitchFamily="34" charset="0"/>
-              <a:buChar char="•"/>
-              <a:defRPr sz="2400">
-                <a:solidFill>
-                  <a:schemeClr val="tx1"/>
-                </a:solidFill>
-                <a:latin typeface="Calibri" panose="020F0502020204030204" pitchFamily="34" charset="0"/>
-              </a:defRPr>
-            </a:lvl3pPr>
-            <a:lvl4pPr marL="1600200" indent="-228600">
-              <a:spcBef>
-                <a:spcPct val="20000"/>
-              </a:spcBef>
-              <a:buFont typeface="Arial" panose="020B0604020202020204" pitchFamily="34" charset="0"/>
-              <a:buChar char="–"/>
-              <a:defRPr sz="2000">
-                <a:solidFill>
-                  <a:schemeClr val="tx1"/>
-                </a:solidFill>
-                <a:latin typeface="Calibri" panose="020F0502020204030204" pitchFamily="34" charset="0"/>
-              </a:defRPr>
-            </a:lvl4pPr>
-            <a:lvl5pPr marL="2057400" indent="-228600">
-              <a:spcBef>
-                <a:spcPct val="20000"/>
-              </a:spcBef>
-              <a:buFont typeface="Arial" panose="020B0604020202020204" pitchFamily="34" charset="0"/>
-              <a:buChar char="»"/>
-              <a:defRPr sz="2000">
-                <a:solidFill>
-                  <a:schemeClr val="tx1"/>
-                </a:solidFill>
-                <a:latin typeface="Calibri" panose="020F0502020204030204" pitchFamily="34" charset="0"/>
-              </a:defRPr>
-            </a:lvl5pPr>
-            <a:lvl6pPr marL="2514600" indent="-228600" eaLnBrk="0" fontAlgn="base" hangingPunct="0">
-              <a:spcBef>
-                <a:spcPct val="20000"/>
-              </a:spcBef>
-              <a:spcAft>
-                <a:spcPct val="0"/>
-              </a:spcAft>
-              <a:buFont typeface="Arial" panose="020B0604020202020204" pitchFamily="34" charset="0"/>
-              <a:buChar char="»"/>
-              <a:defRPr sz="2000">
-                <a:solidFill>
-                  <a:schemeClr val="tx1"/>
-                </a:solidFill>
-                <a:latin typeface="Calibri" panose="020F0502020204030204" pitchFamily="34" charset="0"/>
-              </a:defRPr>
-            </a:lvl6pPr>
-            <a:lvl7pPr marL="2971800" indent="-228600" eaLnBrk="0" fontAlgn="base" hangingPunct="0">
-              <a:spcBef>
-                <a:spcPct val="20000"/>
-              </a:spcBef>
-              <a:spcAft>
-                <a:spcPct val="0"/>
-              </a:spcAft>
-              <a:buFont typeface="Arial" panose="020B0604020202020204" pitchFamily="34" charset="0"/>
-              <a:buChar char="»"/>
-              <a:defRPr sz="2000">
-                <a:solidFill>
-                  <a:schemeClr val="tx1"/>
-                </a:solidFill>
-                <a:latin typeface="Calibri" panose="020F0502020204030204" pitchFamily="34" charset="0"/>
-              </a:defRPr>
-            </a:lvl7pPr>
-            <a:lvl8pPr marL="3429000" indent="-228600" eaLnBrk="0" fontAlgn="base" hangingPunct="0">
-              <a:spcBef>
-                <a:spcPct val="20000"/>
-              </a:spcBef>
-              <a:spcAft>
-                <a:spcPct val="0"/>
-              </a:spcAft>
-              <a:buFont typeface="Arial" panose="020B0604020202020204" pitchFamily="34" charset="0"/>
-              <a:buChar char="»"/>
-              <a:defRPr sz="2000">
-                <a:solidFill>
-                  <a:schemeClr val="tx1"/>
-                </a:solidFill>
-                <a:latin typeface="Calibri" panose="020F0502020204030204" pitchFamily="34" charset="0"/>
-              </a:defRPr>
-            </a:lvl8pPr>
-            <a:lvl9pPr marL="3886200" indent="-228600" eaLnBrk="0" fontAlgn="base" hangingPunct="0">
-              <a:spcBef>
-                <a:spcPct val="20000"/>
-              </a:spcBef>
-              <a:spcAft>
-                <a:spcPct val="0"/>
-              </a:spcAft>
-              <a:buFont typeface="Arial" panose="020B0604020202020204" pitchFamily="34" charset="0"/>
-              <a:buChar char="»"/>
-              <a:defRPr sz="2000">
-                <a:solidFill>
-                  <a:schemeClr val="tx1"/>
-                </a:solidFill>
-                <a:latin typeface="Calibri" panose="020F0502020204030204" pitchFamily="34" charset="0"/>
-              </a:defRPr>
-            </a:lvl9pPr>
-          </a:lstStyle>
-          <a:p>
-            <a:pPr>
-              <a:spcBef>
-                <a:spcPct val="0"/>
-              </a:spcBef>
-              <a:buFontTx/>
-              <a:buNone/>
-            </a:pPr>
-            <a:r>
-              <a:rPr lang="en-US" altLang="en-US" sz="1800">
-                <a:latin typeface="Times" panose="02020603050405020304" pitchFamily="18" charset="0"/>
-              </a:rPr>
-              <a:t>+-</a:t>
-            </a:r>
-          </a:p>
-        </p:txBody>
-      </p:sp>
-      <p:sp>
-        <p:nvSpPr>
-          <p:cNvPr id="5" name="Text Box 11"/>
-          <p:cNvSpPr txBox="1">
-            <a:spLocks noChangeArrowheads="1"/>
-          </p:cNvSpPr>
-          <p:nvPr/>
-        </p:nvSpPr>
-        <p:spPr bwMode="auto">
-          <a:xfrm>
-            <a:off x="600075" y="2307272"/>
-            <a:ext cx="569430" cy="400022"/>
-          </a:xfrm>
-          <a:prstGeom prst="rect">
-            <a:avLst/>
-          </a:prstGeom>
-          <a:noFill/>
-          <a:ln>
-            <a:noFill/>
-          </a:ln>
-          <a:extLst>
-            <a:ext uri="{909E8E84-426E-40DD-AFC4-6F175D3DCCD1}">
-              <a14:hiddenFill xmlns:a14="http://schemas.microsoft.com/office/drawing/2010/main">
-                <a:solidFill>
-                  <a:srgbClr val="FFFFFF"/>
-                </a:solidFill>
-              </a14:hiddenFill>
-            </a:ext>
-            <a:ext uri="{91240B29-F687-4F45-9708-019B960494DF}">
-              <a14:hiddenLine xmlns:a14="http://schemas.microsoft.com/office/drawing/2010/main" w="9525">
-                <a:solidFill>
-                  <a:srgbClr val="000000"/>
-                </a:solidFill>
-                <a:miter lim="800000"/>
-                <a:headEnd/>
-                <a:tailEnd/>
-              </a14:hiddenLine>
-            </a:ext>
-          </a:extLst>
-        </p:spPr>
-        <p:txBody>
-          <a:bodyPr wrap="none">
-            <a:spAutoFit/>
-          </a:bodyPr>
-          <a:lstStyle>
-            <a:lvl1pPr>
-              <a:spcBef>
-                <a:spcPct val="20000"/>
-              </a:spcBef>
-              <a:buFont typeface="Arial" panose="020B0604020202020204" pitchFamily="34" charset="0"/>
-              <a:buChar char="•"/>
-              <a:defRPr sz="3200">
-                <a:solidFill>
-                  <a:schemeClr val="tx1"/>
-                </a:solidFill>
-                <a:latin typeface="Calibri" panose="020F0502020204030204" pitchFamily="34" charset="0"/>
-              </a:defRPr>
-            </a:lvl1pPr>
-            <a:lvl2pPr marL="742950" indent="-285750">
-              <a:spcBef>
-                <a:spcPct val="20000"/>
-              </a:spcBef>
-              <a:buFont typeface="Arial" panose="020B0604020202020204" pitchFamily="34" charset="0"/>
-              <a:buChar char="–"/>
-              <a:defRPr sz="2800">
-                <a:solidFill>
-                  <a:schemeClr val="tx1"/>
-                </a:solidFill>
-                <a:latin typeface="Calibri" panose="020F0502020204030204" pitchFamily="34" charset="0"/>
-              </a:defRPr>
-            </a:lvl2pPr>
-            <a:lvl3pPr marL="1143000" indent="-228600">
-              <a:spcBef>
-                <a:spcPct val="20000"/>
-              </a:spcBef>
-              <a:buFont typeface="Arial" panose="020B0604020202020204" pitchFamily="34" charset="0"/>
-              <a:buChar char="•"/>
-              <a:defRPr sz="2400">
-                <a:solidFill>
-                  <a:schemeClr val="tx1"/>
-                </a:solidFill>
-                <a:latin typeface="Calibri" panose="020F0502020204030204" pitchFamily="34" charset="0"/>
-              </a:defRPr>
-            </a:lvl3pPr>
-            <a:lvl4pPr marL="1600200" indent="-228600">
-              <a:spcBef>
-                <a:spcPct val="20000"/>
-              </a:spcBef>
-              <a:buFont typeface="Arial" panose="020B0604020202020204" pitchFamily="34" charset="0"/>
-              <a:buChar char="–"/>
-              <a:defRPr sz="2000">
-                <a:solidFill>
-                  <a:schemeClr val="tx1"/>
-                </a:solidFill>
-                <a:latin typeface="Calibri" panose="020F0502020204030204" pitchFamily="34" charset="0"/>
-              </a:defRPr>
-            </a:lvl4pPr>
-            <a:lvl5pPr marL="2057400" indent="-228600">
-              <a:spcBef>
-                <a:spcPct val="20000"/>
-              </a:spcBef>
-              <a:buFont typeface="Arial" panose="020B0604020202020204" pitchFamily="34" charset="0"/>
-              <a:buChar char="»"/>
-              <a:defRPr sz="2000">
-                <a:solidFill>
-                  <a:schemeClr val="tx1"/>
-                </a:solidFill>
-                <a:latin typeface="Calibri" panose="020F0502020204030204" pitchFamily="34" charset="0"/>
-              </a:defRPr>
-            </a:lvl5pPr>
-            <a:lvl6pPr marL="2514600" indent="-228600" eaLnBrk="0" fontAlgn="base" hangingPunct="0">
-              <a:spcBef>
-                <a:spcPct val="20000"/>
-              </a:spcBef>
-              <a:spcAft>
-                <a:spcPct val="0"/>
-              </a:spcAft>
-              <a:buFont typeface="Arial" panose="020B0604020202020204" pitchFamily="34" charset="0"/>
-              <a:buChar char="»"/>
-              <a:defRPr sz="2000">
-                <a:solidFill>
-                  <a:schemeClr val="tx1"/>
-                </a:solidFill>
-                <a:latin typeface="Calibri" panose="020F0502020204030204" pitchFamily="34" charset="0"/>
-              </a:defRPr>
-            </a:lvl6pPr>
-            <a:lvl7pPr marL="2971800" indent="-228600" eaLnBrk="0" fontAlgn="base" hangingPunct="0">
-              <a:spcBef>
-                <a:spcPct val="20000"/>
-              </a:spcBef>
-              <a:spcAft>
-                <a:spcPct val="0"/>
-              </a:spcAft>
-              <a:buFont typeface="Arial" panose="020B0604020202020204" pitchFamily="34" charset="0"/>
-              <a:buChar char="»"/>
-              <a:defRPr sz="2000">
-                <a:solidFill>
-                  <a:schemeClr val="tx1"/>
-                </a:solidFill>
-                <a:latin typeface="Calibri" panose="020F0502020204030204" pitchFamily="34" charset="0"/>
-              </a:defRPr>
-            </a:lvl7pPr>
-            <a:lvl8pPr marL="3429000" indent="-228600" eaLnBrk="0" fontAlgn="base" hangingPunct="0">
-              <a:spcBef>
-                <a:spcPct val="20000"/>
-              </a:spcBef>
-              <a:spcAft>
-                <a:spcPct val="0"/>
-              </a:spcAft>
-              <a:buFont typeface="Arial" panose="020B0604020202020204" pitchFamily="34" charset="0"/>
-              <a:buChar char="»"/>
-              <a:defRPr sz="2000">
-                <a:solidFill>
-                  <a:schemeClr val="tx1"/>
-                </a:solidFill>
-                <a:latin typeface="Calibri" panose="020F0502020204030204" pitchFamily="34" charset="0"/>
-              </a:defRPr>
-            </a:lvl8pPr>
-            <a:lvl9pPr marL="3886200" indent="-228600" eaLnBrk="0" fontAlgn="base" hangingPunct="0">
-              <a:spcBef>
-                <a:spcPct val="20000"/>
-              </a:spcBef>
-              <a:spcAft>
-                <a:spcPct val="0"/>
-              </a:spcAft>
-              <a:buFont typeface="Arial" panose="020B0604020202020204" pitchFamily="34" charset="0"/>
-              <a:buChar char="»"/>
-              <a:defRPr sz="2000">
-                <a:solidFill>
-                  <a:schemeClr val="tx1"/>
-                </a:solidFill>
-                <a:latin typeface="Calibri" panose="020F0502020204030204" pitchFamily="34" charset="0"/>
-              </a:defRPr>
-            </a:lvl9pPr>
-          </a:lstStyle>
-          <a:p>
-            <a:pPr>
-              <a:spcBef>
-                <a:spcPct val="0"/>
-              </a:spcBef>
-              <a:buFontTx/>
-              <a:buNone/>
-            </a:pPr>
-            <a:r>
-              <a:rPr lang="en-US" altLang="en-US" sz="2000">
-                <a:latin typeface="Times" panose="02020603050405020304" pitchFamily="18" charset="0"/>
-              </a:rPr>
-              <a:t>10v</a:t>
-            </a:r>
-          </a:p>
-        </p:txBody>
-      </p:sp>
-      <p:sp>
-        <p:nvSpPr>
-          <p:cNvPr id="6" name="Text Box 15"/>
-          <p:cNvSpPr txBox="1">
-            <a:spLocks noChangeArrowheads="1"/>
-          </p:cNvSpPr>
-          <p:nvPr/>
-        </p:nvSpPr>
-        <p:spPr bwMode="auto">
-          <a:xfrm>
-            <a:off x="3298030" y="1780264"/>
-            <a:ext cx="1347329" cy="461564"/>
-          </a:xfrm>
-          <a:prstGeom prst="rect">
-            <a:avLst/>
-          </a:prstGeom>
-          <a:noFill/>
-          <a:ln>
-            <a:noFill/>
-          </a:ln>
-          <a:extLst>
-            <a:ext uri="{909E8E84-426E-40DD-AFC4-6F175D3DCCD1}">
-              <a14:hiddenFill xmlns:a14="http://schemas.microsoft.com/office/drawing/2010/main">
-                <a:solidFill>
-                  <a:srgbClr val="FFFFFF"/>
-                </a:solidFill>
-              </a14:hiddenFill>
-            </a:ext>
-            <a:ext uri="{91240B29-F687-4F45-9708-019B960494DF}">
-              <a14:hiddenLine xmlns:a14="http://schemas.microsoft.com/office/drawing/2010/main" w="9525">
-                <a:solidFill>
-                  <a:srgbClr val="000000"/>
-                </a:solidFill>
-                <a:miter lim="800000"/>
-                <a:headEnd/>
-                <a:tailEnd/>
-              </a14:hiddenLine>
-            </a:ext>
-          </a:extLst>
-        </p:spPr>
-        <p:txBody>
-          <a:bodyPr wrap="none">
-            <a:spAutoFit/>
-          </a:bodyPr>
-          <a:lstStyle>
-            <a:lvl1pPr>
-              <a:spcBef>
-                <a:spcPct val="20000"/>
-              </a:spcBef>
-              <a:buFont typeface="Arial" panose="020B0604020202020204" pitchFamily="34" charset="0"/>
-              <a:buChar char="•"/>
-              <a:defRPr sz="3200">
-                <a:solidFill>
-                  <a:schemeClr val="tx1"/>
-                </a:solidFill>
-                <a:latin typeface="Calibri" panose="020F0502020204030204" pitchFamily="34" charset="0"/>
-              </a:defRPr>
-            </a:lvl1pPr>
-            <a:lvl2pPr marL="742950" indent="-285750">
-              <a:spcBef>
-                <a:spcPct val="20000"/>
-              </a:spcBef>
-              <a:buFont typeface="Arial" panose="020B0604020202020204" pitchFamily="34" charset="0"/>
-              <a:buChar char="–"/>
-              <a:defRPr sz="2800">
-                <a:solidFill>
-                  <a:schemeClr val="tx1"/>
-                </a:solidFill>
-                <a:latin typeface="Calibri" panose="020F0502020204030204" pitchFamily="34" charset="0"/>
-              </a:defRPr>
-            </a:lvl2pPr>
-            <a:lvl3pPr marL="1143000" indent="-228600">
-              <a:spcBef>
-                <a:spcPct val="20000"/>
-              </a:spcBef>
-              <a:buFont typeface="Arial" panose="020B0604020202020204" pitchFamily="34" charset="0"/>
-              <a:buChar char="•"/>
-              <a:defRPr sz="2400">
-                <a:solidFill>
-                  <a:schemeClr val="tx1"/>
-                </a:solidFill>
-                <a:latin typeface="Calibri" panose="020F0502020204030204" pitchFamily="34" charset="0"/>
-              </a:defRPr>
-            </a:lvl3pPr>
-            <a:lvl4pPr marL="1600200" indent="-228600">
-              <a:spcBef>
-                <a:spcPct val="20000"/>
-              </a:spcBef>
-              <a:buFont typeface="Arial" panose="020B0604020202020204" pitchFamily="34" charset="0"/>
-              <a:buChar char="–"/>
-              <a:defRPr sz="2000">
-                <a:solidFill>
-                  <a:schemeClr val="tx1"/>
-                </a:solidFill>
-                <a:latin typeface="Calibri" panose="020F0502020204030204" pitchFamily="34" charset="0"/>
-              </a:defRPr>
-            </a:lvl4pPr>
-            <a:lvl5pPr marL="2057400" indent="-228600">
-              <a:spcBef>
-                <a:spcPct val="20000"/>
-              </a:spcBef>
-              <a:buFont typeface="Arial" panose="020B0604020202020204" pitchFamily="34" charset="0"/>
-              <a:buChar char="»"/>
-              <a:defRPr sz="2000">
-                <a:solidFill>
-                  <a:schemeClr val="tx1"/>
-                </a:solidFill>
-                <a:latin typeface="Calibri" panose="020F0502020204030204" pitchFamily="34" charset="0"/>
-              </a:defRPr>
-            </a:lvl5pPr>
-            <a:lvl6pPr marL="2514600" indent="-228600" eaLnBrk="0" fontAlgn="base" hangingPunct="0">
-              <a:spcBef>
-                <a:spcPct val="20000"/>
-              </a:spcBef>
-              <a:spcAft>
-                <a:spcPct val="0"/>
-              </a:spcAft>
-              <a:buFont typeface="Arial" panose="020B0604020202020204" pitchFamily="34" charset="0"/>
-              <a:buChar char="»"/>
-              <a:defRPr sz="2000">
-                <a:solidFill>
-                  <a:schemeClr val="tx1"/>
-                </a:solidFill>
-                <a:latin typeface="Calibri" panose="020F0502020204030204" pitchFamily="34" charset="0"/>
-              </a:defRPr>
-            </a:lvl6pPr>
-            <a:lvl7pPr marL="2971800" indent="-228600" eaLnBrk="0" fontAlgn="base" hangingPunct="0">
-              <a:spcBef>
-                <a:spcPct val="20000"/>
-              </a:spcBef>
-              <a:spcAft>
-                <a:spcPct val="0"/>
-              </a:spcAft>
-              <a:buFont typeface="Arial" panose="020B0604020202020204" pitchFamily="34" charset="0"/>
-              <a:buChar char="»"/>
-              <a:defRPr sz="2000">
-                <a:solidFill>
-                  <a:schemeClr val="tx1"/>
-                </a:solidFill>
-                <a:latin typeface="Calibri" panose="020F0502020204030204" pitchFamily="34" charset="0"/>
-              </a:defRPr>
-            </a:lvl7pPr>
-            <a:lvl8pPr marL="3429000" indent="-228600" eaLnBrk="0" fontAlgn="base" hangingPunct="0">
-              <a:spcBef>
-                <a:spcPct val="20000"/>
-              </a:spcBef>
-              <a:spcAft>
-                <a:spcPct val="0"/>
-              </a:spcAft>
-              <a:buFont typeface="Arial" panose="020B0604020202020204" pitchFamily="34" charset="0"/>
-              <a:buChar char="»"/>
-              <a:defRPr sz="2000">
-                <a:solidFill>
-                  <a:schemeClr val="tx1"/>
-                </a:solidFill>
-                <a:latin typeface="Calibri" panose="020F0502020204030204" pitchFamily="34" charset="0"/>
-              </a:defRPr>
-            </a:lvl8pPr>
-            <a:lvl9pPr marL="3886200" indent="-228600" eaLnBrk="0" fontAlgn="base" hangingPunct="0">
-              <a:spcBef>
-                <a:spcPct val="20000"/>
-              </a:spcBef>
-              <a:spcAft>
-                <a:spcPct val="0"/>
-              </a:spcAft>
-              <a:buFont typeface="Arial" panose="020B0604020202020204" pitchFamily="34" charset="0"/>
-              <a:buChar char="»"/>
-              <a:defRPr sz="2000">
-                <a:solidFill>
-                  <a:schemeClr val="tx1"/>
-                </a:solidFill>
-                <a:latin typeface="Calibri" panose="020F0502020204030204" pitchFamily="34" charset="0"/>
-              </a:defRPr>
-            </a:lvl9pPr>
-          </a:lstStyle>
-          <a:p>
-            <a:pPr>
-              <a:spcBef>
-                <a:spcPct val="0"/>
-              </a:spcBef>
-              <a:buFontTx/>
-              <a:buNone/>
-            </a:pPr>
-            <a:r>
-              <a:rPr lang="en-US" altLang="en-US" sz="2400">
-                <a:latin typeface="Times" panose="02020603050405020304" pitchFamily="18" charset="0"/>
-              </a:rPr>
-              <a:t>   +  v</a:t>
-            </a:r>
-            <a:r>
-              <a:rPr lang="en-US" altLang="en-US" sz="2400" baseline="-25000">
-                <a:latin typeface="Times" panose="02020603050405020304" pitchFamily="18" charset="0"/>
-              </a:rPr>
-              <a:t>L   </a:t>
-            </a:r>
-            <a:r>
-              <a:rPr lang="en-US" altLang="en-US" sz="2400">
-                <a:latin typeface="Times" panose="02020603050405020304" pitchFamily="18" charset="0"/>
-              </a:rPr>
-              <a:t> -</a:t>
-            </a:r>
-          </a:p>
-        </p:txBody>
-      </p:sp>
-      <p:sp>
-        <p:nvSpPr>
-          <p:cNvPr id="7" name="Line 17"/>
-          <p:cNvSpPr>
-            <a:spLocks noChangeShapeType="1"/>
-          </p:cNvSpPr>
-          <p:nvPr/>
-        </p:nvSpPr>
-        <p:spPr bwMode="auto">
-          <a:xfrm>
-            <a:off x="1437605" y="2732996"/>
-            <a:ext cx="0" cy="551808"/>
-          </a:xfrm>
-          <a:prstGeom prst="line">
-            <a:avLst/>
-          </a:prstGeom>
-          <a:noFill/>
-          <a:ln w="15875">
-            <a:solidFill>
-              <a:schemeClr val="tx1"/>
-            </a:solidFill>
-            <a:round/>
-            <a:headEnd/>
-            <a:tailEnd/>
-          </a:ln>
-          <a:extLst>
-            <a:ext uri="{909E8E84-426E-40DD-AFC4-6F175D3DCCD1}">
-              <a14:hiddenFill xmlns:a14="http://schemas.microsoft.com/office/drawing/2010/main">
-                <a:noFill/>
-              </a14:hiddenFill>
-            </a:ext>
-          </a:extLst>
-        </p:spPr>
-        <p:txBody>
-          <a:bodyPr wrap="none" anchor="ctr"/>
-          <a:lstStyle/>
-          <a:p>
-            <a:endParaRPr lang="en-US"/>
-          </a:p>
-        </p:txBody>
-      </p:sp>
-      <p:sp>
-        <p:nvSpPr>
-          <p:cNvPr id="8" name="Line 18"/>
-          <p:cNvSpPr>
-            <a:spLocks noChangeShapeType="1"/>
-          </p:cNvSpPr>
-          <p:nvPr/>
-        </p:nvSpPr>
-        <p:spPr bwMode="auto">
-          <a:xfrm>
-            <a:off x="1242136" y="3275608"/>
-            <a:ext cx="407934" cy="0"/>
-          </a:xfrm>
-          <a:prstGeom prst="line">
-            <a:avLst/>
-          </a:prstGeom>
-          <a:noFill/>
-          <a:ln w="15875">
-            <a:solidFill>
-              <a:schemeClr val="tx1"/>
-            </a:solidFill>
-            <a:round/>
-            <a:headEnd/>
-            <a:tailEnd/>
-          </a:ln>
-          <a:extLst>
-            <a:ext uri="{909E8E84-426E-40DD-AFC4-6F175D3DCCD1}">
-              <a14:hiddenFill xmlns:a14="http://schemas.microsoft.com/office/drawing/2010/main">
-                <a:noFill/>
-              </a14:hiddenFill>
-            </a:ext>
-          </a:extLst>
-        </p:spPr>
-        <p:txBody>
-          <a:bodyPr wrap="none" anchor="ctr"/>
-          <a:lstStyle/>
-          <a:p>
-            <a:endParaRPr lang="en-US"/>
-          </a:p>
-        </p:txBody>
-      </p:sp>
-      <p:sp>
-        <p:nvSpPr>
-          <p:cNvPr id="9" name="Line 19"/>
-          <p:cNvSpPr>
-            <a:spLocks noChangeShapeType="1"/>
-          </p:cNvSpPr>
-          <p:nvPr/>
-        </p:nvSpPr>
-        <p:spPr bwMode="auto">
-          <a:xfrm>
-            <a:off x="1335621" y="3395166"/>
-            <a:ext cx="203967" cy="0"/>
-          </a:xfrm>
-          <a:prstGeom prst="line">
-            <a:avLst/>
-          </a:prstGeom>
-          <a:noFill/>
-          <a:ln w="15875">
-            <a:solidFill>
-              <a:schemeClr val="tx1"/>
-            </a:solidFill>
-            <a:round/>
-            <a:headEnd/>
-            <a:tailEnd/>
-          </a:ln>
-          <a:extLst>
-            <a:ext uri="{909E8E84-426E-40DD-AFC4-6F175D3DCCD1}">
-              <a14:hiddenFill xmlns:a14="http://schemas.microsoft.com/office/drawing/2010/main">
-                <a:noFill/>
-              </a14:hiddenFill>
-            </a:ext>
-          </a:extLst>
-        </p:spPr>
-        <p:txBody>
-          <a:bodyPr wrap="none" anchor="ctr"/>
-          <a:lstStyle/>
-          <a:p>
-            <a:endParaRPr lang="en-US"/>
-          </a:p>
-        </p:txBody>
-      </p:sp>
-      <p:sp>
-        <p:nvSpPr>
-          <p:cNvPr id="10" name="Line 20"/>
-          <p:cNvSpPr>
-            <a:spLocks noChangeShapeType="1"/>
-          </p:cNvSpPr>
-          <p:nvPr/>
-        </p:nvSpPr>
-        <p:spPr bwMode="auto">
-          <a:xfrm>
-            <a:off x="1395112" y="3505528"/>
-            <a:ext cx="76488" cy="0"/>
-          </a:xfrm>
-          <a:prstGeom prst="line">
-            <a:avLst/>
-          </a:prstGeom>
-          <a:noFill/>
-          <a:ln w="15875">
-            <a:solidFill>
-              <a:schemeClr val="tx1"/>
-            </a:solidFill>
-            <a:round/>
-            <a:headEnd/>
-            <a:tailEnd/>
-          </a:ln>
-          <a:extLst>
-            <a:ext uri="{909E8E84-426E-40DD-AFC4-6F175D3DCCD1}">
-              <a14:hiddenFill xmlns:a14="http://schemas.microsoft.com/office/drawing/2010/main">
-                <a:noFill/>
-              </a14:hiddenFill>
-            </a:ext>
-          </a:extLst>
-        </p:spPr>
-        <p:txBody>
-          <a:bodyPr wrap="none" anchor="ctr"/>
-          <a:lstStyle/>
-          <a:p>
-            <a:endParaRPr lang="en-US"/>
-          </a:p>
-        </p:txBody>
-      </p:sp>
-      <p:sp>
-        <p:nvSpPr>
-          <p:cNvPr id="11" name="Line 21"/>
-          <p:cNvSpPr>
-            <a:spLocks noChangeShapeType="1"/>
-          </p:cNvSpPr>
-          <p:nvPr/>
-        </p:nvSpPr>
-        <p:spPr bwMode="auto">
-          <a:xfrm flipV="1">
-            <a:off x="1437605" y="1739741"/>
-            <a:ext cx="0" cy="551808"/>
-          </a:xfrm>
-          <a:prstGeom prst="line">
-            <a:avLst/>
-          </a:prstGeom>
-          <a:noFill/>
-          <a:ln w="15875">
-            <a:solidFill>
-              <a:schemeClr val="tx1"/>
-            </a:solidFill>
-            <a:round/>
-            <a:headEnd/>
-            <a:tailEnd/>
-          </a:ln>
-          <a:extLst>
-            <a:ext uri="{909E8E84-426E-40DD-AFC4-6F175D3DCCD1}">
-              <a14:hiddenFill xmlns:a14="http://schemas.microsoft.com/office/drawing/2010/main">
-                <a:noFill/>
-              </a14:hiddenFill>
-            </a:ext>
-          </a:extLst>
-        </p:spPr>
-        <p:txBody>
-          <a:bodyPr wrap="none" anchor="ctr"/>
-          <a:lstStyle/>
-          <a:p>
-            <a:endParaRPr lang="en-US"/>
-          </a:p>
-        </p:txBody>
-      </p:sp>
-      <p:sp>
-        <p:nvSpPr>
-          <p:cNvPr id="12" name="Line 22"/>
-          <p:cNvSpPr>
-            <a:spLocks noChangeShapeType="1"/>
-          </p:cNvSpPr>
-          <p:nvPr/>
-        </p:nvSpPr>
-        <p:spPr bwMode="auto">
-          <a:xfrm>
-            <a:off x="1437605" y="1739741"/>
-            <a:ext cx="407934" cy="0"/>
-          </a:xfrm>
-          <a:prstGeom prst="line">
-            <a:avLst/>
-          </a:prstGeom>
-          <a:noFill/>
-          <a:ln w="15875">
-            <a:solidFill>
-              <a:schemeClr val="tx1"/>
-            </a:solidFill>
-            <a:round/>
-            <a:headEnd/>
-            <a:tailEnd/>
-          </a:ln>
-          <a:extLst>
-            <a:ext uri="{909E8E84-426E-40DD-AFC4-6F175D3DCCD1}">
-              <a14:hiddenFill xmlns:a14="http://schemas.microsoft.com/office/drawing/2010/main">
-                <a:noFill/>
-              </a14:hiddenFill>
-            </a:ext>
-          </a:extLst>
-        </p:spPr>
-        <p:txBody>
-          <a:bodyPr wrap="none" anchor="ctr"/>
-          <a:lstStyle/>
-          <a:p>
-            <a:endParaRPr lang="en-US"/>
-          </a:p>
-        </p:txBody>
-      </p:sp>
-      <p:grpSp>
-        <p:nvGrpSpPr>
-          <p:cNvPr id="14" name="Group 57"/>
-          <p:cNvGrpSpPr>
-            <a:grpSpLocks/>
-          </p:cNvGrpSpPr>
-          <p:nvPr/>
-        </p:nvGrpSpPr>
-        <p:grpSpPr bwMode="auto">
-          <a:xfrm>
-            <a:off x="2661404" y="4001104"/>
-            <a:ext cx="1631735" cy="220724"/>
-            <a:chOff x="144" y="1920"/>
-            <a:chExt cx="1584" cy="192"/>
-          </a:xfrm>
-        </p:grpSpPr>
-        <p:sp>
-          <p:nvSpPr>
-            <p:cNvPr id="45" name="Line 48"/>
-            <p:cNvSpPr>
-              <a:spLocks noChangeShapeType="1"/>
-            </p:cNvSpPr>
-            <p:nvPr/>
-          </p:nvSpPr>
-          <p:spPr bwMode="auto">
-            <a:xfrm flipV="1">
-              <a:off x="528" y="1920"/>
-              <a:ext cx="96" cy="96"/>
-            </a:xfrm>
-            <a:prstGeom prst="line">
-              <a:avLst/>
-            </a:prstGeom>
-            <a:noFill/>
-            <a:ln w="15875">
-              <a:solidFill>
-                <a:schemeClr val="tx1"/>
-              </a:solidFill>
-              <a:round/>
-              <a:headEnd/>
-              <a:tailEnd/>
-            </a:ln>
-            <a:extLst>
-              <a:ext uri="{909E8E84-426E-40DD-AFC4-6F175D3DCCD1}">
-                <a14:hiddenFill xmlns:a14="http://schemas.microsoft.com/office/drawing/2010/main">
-                  <a:noFill/>
-                </a14:hiddenFill>
-              </a:ext>
-            </a:extLst>
-          </p:spPr>
-          <p:txBody>
-            <a:bodyPr wrap="none" anchor="ctr"/>
-            <a:lstStyle/>
-            <a:p>
-              <a:endParaRPr lang="en-US"/>
-            </a:p>
-          </p:txBody>
-        </p:sp>
-        <p:sp>
-          <p:nvSpPr>
-            <p:cNvPr id="46" name="Line 49"/>
-            <p:cNvSpPr>
-              <a:spLocks noChangeShapeType="1"/>
-            </p:cNvSpPr>
-            <p:nvPr/>
-          </p:nvSpPr>
-          <p:spPr bwMode="auto">
-            <a:xfrm>
-              <a:off x="624" y="1920"/>
-              <a:ext cx="96" cy="192"/>
-            </a:xfrm>
-            <a:prstGeom prst="line">
-              <a:avLst/>
-            </a:prstGeom>
-            <a:noFill/>
-            <a:ln w="15875">
-              <a:solidFill>
-                <a:schemeClr val="tx1"/>
-              </a:solidFill>
-              <a:round/>
-              <a:headEnd/>
-              <a:tailEnd/>
-            </a:ln>
-            <a:extLst>
-              <a:ext uri="{909E8E84-426E-40DD-AFC4-6F175D3DCCD1}">
-                <a14:hiddenFill xmlns:a14="http://schemas.microsoft.com/office/drawing/2010/main">
-                  <a:noFill/>
-                </a14:hiddenFill>
-              </a:ext>
-            </a:extLst>
-          </p:spPr>
-          <p:txBody>
-            <a:bodyPr wrap="none" anchor="ctr"/>
-            <a:lstStyle/>
-            <a:p>
-              <a:endParaRPr lang="en-US"/>
-            </a:p>
-          </p:txBody>
-        </p:sp>
-        <p:sp>
-          <p:nvSpPr>
-            <p:cNvPr id="47" name="Line 50"/>
-            <p:cNvSpPr>
-              <a:spLocks noChangeShapeType="1"/>
-            </p:cNvSpPr>
-            <p:nvPr/>
-          </p:nvSpPr>
-          <p:spPr bwMode="auto">
-            <a:xfrm flipV="1">
-              <a:off x="720" y="1920"/>
-              <a:ext cx="144" cy="192"/>
-            </a:xfrm>
-            <a:prstGeom prst="line">
-              <a:avLst/>
-            </a:prstGeom>
-            <a:noFill/>
-            <a:ln w="15875">
-              <a:solidFill>
-                <a:schemeClr val="tx1"/>
-              </a:solidFill>
-              <a:round/>
-              <a:headEnd/>
-              <a:tailEnd/>
-            </a:ln>
-            <a:extLst>
-              <a:ext uri="{909E8E84-426E-40DD-AFC4-6F175D3DCCD1}">
-                <a14:hiddenFill xmlns:a14="http://schemas.microsoft.com/office/drawing/2010/main">
-                  <a:noFill/>
-                </a14:hiddenFill>
-              </a:ext>
-            </a:extLst>
-          </p:spPr>
-          <p:txBody>
-            <a:bodyPr wrap="none" anchor="ctr"/>
-            <a:lstStyle/>
-            <a:p>
-              <a:endParaRPr lang="en-US"/>
-            </a:p>
-          </p:txBody>
-        </p:sp>
-        <p:sp>
-          <p:nvSpPr>
-            <p:cNvPr id="48" name="Line 51"/>
-            <p:cNvSpPr>
-              <a:spLocks noChangeShapeType="1"/>
-            </p:cNvSpPr>
-            <p:nvPr/>
-          </p:nvSpPr>
-          <p:spPr bwMode="auto">
-            <a:xfrm>
-              <a:off x="864" y="1920"/>
-              <a:ext cx="96" cy="192"/>
-            </a:xfrm>
-            <a:prstGeom prst="line">
-              <a:avLst/>
-            </a:prstGeom>
-            <a:noFill/>
-            <a:ln w="15875">
-              <a:solidFill>
-                <a:schemeClr val="tx1"/>
-              </a:solidFill>
-              <a:round/>
-              <a:headEnd/>
-              <a:tailEnd/>
-            </a:ln>
-            <a:extLst>
-              <a:ext uri="{909E8E84-426E-40DD-AFC4-6F175D3DCCD1}">
-                <a14:hiddenFill xmlns:a14="http://schemas.microsoft.com/office/drawing/2010/main">
-                  <a:noFill/>
-                </a14:hiddenFill>
-              </a:ext>
-            </a:extLst>
-          </p:spPr>
-          <p:txBody>
-            <a:bodyPr wrap="none" anchor="ctr"/>
-            <a:lstStyle/>
-            <a:p>
-              <a:endParaRPr lang="en-US"/>
-            </a:p>
-          </p:txBody>
-        </p:sp>
-        <p:sp>
-          <p:nvSpPr>
-            <p:cNvPr id="49" name="Line 52"/>
-            <p:cNvSpPr>
-              <a:spLocks noChangeShapeType="1"/>
-            </p:cNvSpPr>
-            <p:nvPr/>
-          </p:nvSpPr>
-          <p:spPr bwMode="auto">
-            <a:xfrm flipV="1">
-              <a:off x="960" y="1920"/>
-              <a:ext cx="144" cy="192"/>
-            </a:xfrm>
-            <a:prstGeom prst="line">
-              <a:avLst/>
-            </a:prstGeom>
-            <a:noFill/>
-            <a:ln w="15875">
-              <a:solidFill>
-                <a:schemeClr val="tx1"/>
-              </a:solidFill>
-              <a:round/>
-              <a:headEnd/>
-              <a:tailEnd/>
-            </a:ln>
-            <a:extLst>
-              <a:ext uri="{909E8E84-426E-40DD-AFC4-6F175D3DCCD1}">
-                <a14:hiddenFill xmlns:a14="http://schemas.microsoft.com/office/drawing/2010/main">
-                  <a:noFill/>
-                </a14:hiddenFill>
-              </a:ext>
-            </a:extLst>
-          </p:spPr>
-          <p:txBody>
-            <a:bodyPr wrap="none" anchor="ctr"/>
-            <a:lstStyle/>
-            <a:p>
-              <a:endParaRPr lang="en-US"/>
-            </a:p>
-          </p:txBody>
-        </p:sp>
-        <p:sp>
-          <p:nvSpPr>
-            <p:cNvPr id="50" name="Line 53"/>
-            <p:cNvSpPr>
-              <a:spLocks noChangeShapeType="1"/>
-            </p:cNvSpPr>
-            <p:nvPr/>
-          </p:nvSpPr>
-          <p:spPr bwMode="auto">
-            <a:xfrm>
-              <a:off x="1104" y="1920"/>
-              <a:ext cx="96" cy="192"/>
-            </a:xfrm>
-            <a:prstGeom prst="line">
-              <a:avLst/>
-            </a:prstGeom>
-            <a:noFill/>
-            <a:ln w="15875">
-              <a:solidFill>
-                <a:schemeClr val="tx1"/>
-              </a:solidFill>
-              <a:round/>
-              <a:headEnd/>
-              <a:tailEnd/>
-            </a:ln>
-            <a:extLst>
-              <a:ext uri="{909E8E84-426E-40DD-AFC4-6F175D3DCCD1}">
-                <a14:hiddenFill xmlns:a14="http://schemas.microsoft.com/office/drawing/2010/main">
-                  <a:noFill/>
-                </a14:hiddenFill>
-              </a:ext>
-            </a:extLst>
-          </p:spPr>
-          <p:txBody>
-            <a:bodyPr wrap="none" anchor="ctr"/>
-            <a:lstStyle/>
-            <a:p>
-              <a:endParaRPr lang="en-US"/>
-            </a:p>
-          </p:txBody>
-        </p:sp>
-        <p:sp>
-          <p:nvSpPr>
-            <p:cNvPr id="51" name="Line 54"/>
-            <p:cNvSpPr>
-              <a:spLocks noChangeShapeType="1"/>
-            </p:cNvSpPr>
-            <p:nvPr/>
-          </p:nvSpPr>
-          <p:spPr bwMode="auto">
-            <a:xfrm flipV="1">
-              <a:off x="1200" y="2016"/>
-              <a:ext cx="96" cy="96"/>
-            </a:xfrm>
-            <a:prstGeom prst="line">
-              <a:avLst/>
-            </a:prstGeom>
-            <a:noFill/>
-            <a:ln w="15875">
-              <a:solidFill>
-                <a:schemeClr val="tx1"/>
-              </a:solidFill>
-              <a:round/>
-              <a:headEnd/>
-              <a:tailEnd/>
-            </a:ln>
-            <a:extLst>
-              <a:ext uri="{909E8E84-426E-40DD-AFC4-6F175D3DCCD1}">
-                <a14:hiddenFill xmlns:a14="http://schemas.microsoft.com/office/drawing/2010/main">
-                  <a:noFill/>
-                </a14:hiddenFill>
-              </a:ext>
-            </a:extLst>
-          </p:spPr>
-          <p:txBody>
-            <a:bodyPr wrap="none" anchor="ctr"/>
-            <a:lstStyle/>
-            <a:p>
-              <a:endParaRPr lang="en-US"/>
-            </a:p>
-          </p:txBody>
-        </p:sp>
-        <p:sp>
-          <p:nvSpPr>
-            <p:cNvPr id="52" name="Line 55"/>
-            <p:cNvSpPr>
-              <a:spLocks noChangeShapeType="1"/>
-            </p:cNvSpPr>
-            <p:nvPr/>
-          </p:nvSpPr>
-          <p:spPr bwMode="auto">
-            <a:xfrm>
-              <a:off x="1296" y="2016"/>
-              <a:ext cx="432" cy="0"/>
-            </a:xfrm>
-            <a:prstGeom prst="line">
-              <a:avLst/>
-            </a:prstGeom>
-            <a:noFill/>
-            <a:ln w="15875">
-              <a:solidFill>
-                <a:schemeClr val="tx1"/>
-              </a:solidFill>
-              <a:round/>
-              <a:headEnd/>
-              <a:tailEnd/>
-            </a:ln>
-            <a:extLst>
-              <a:ext uri="{909E8E84-426E-40DD-AFC4-6F175D3DCCD1}">
-                <a14:hiddenFill xmlns:a14="http://schemas.microsoft.com/office/drawing/2010/main">
-                  <a:noFill/>
-                </a14:hiddenFill>
-              </a:ext>
-            </a:extLst>
-          </p:spPr>
-          <p:txBody>
-            <a:bodyPr wrap="none" anchor="ctr"/>
-            <a:lstStyle/>
-            <a:p>
-              <a:endParaRPr lang="en-US"/>
-            </a:p>
-          </p:txBody>
-        </p:sp>
-        <p:sp>
-          <p:nvSpPr>
-            <p:cNvPr id="53" name="Line 56"/>
-            <p:cNvSpPr>
-              <a:spLocks noChangeShapeType="1"/>
-            </p:cNvSpPr>
-            <p:nvPr/>
-          </p:nvSpPr>
-          <p:spPr bwMode="auto">
-            <a:xfrm flipH="1">
-              <a:off x="144" y="2016"/>
-              <a:ext cx="384" cy="0"/>
-            </a:xfrm>
-            <a:prstGeom prst="line">
-              <a:avLst/>
-            </a:prstGeom>
-            <a:noFill/>
-            <a:ln w="15875">
-              <a:solidFill>
-                <a:schemeClr val="tx1"/>
-              </a:solidFill>
-              <a:round/>
-              <a:headEnd/>
-              <a:tailEnd/>
-            </a:ln>
-            <a:extLst>
-              <a:ext uri="{909E8E84-426E-40DD-AFC4-6F175D3DCCD1}">
-                <a14:hiddenFill xmlns:a14="http://schemas.microsoft.com/office/drawing/2010/main">
-                  <a:noFill/>
-                </a14:hiddenFill>
-              </a:ext>
-            </a:extLst>
-          </p:spPr>
-          <p:txBody>
-            <a:bodyPr wrap="none" anchor="ctr"/>
-            <a:lstStyle/>
-            <a:p>
-              <a:endParaRPr lang="en-US"/>
-            </a:p>
-          </p:txBody>
-        </p:sp>
-      </p:grpSp>
-      <p:grpSp>
-        <p:nvGrpSpPr>
-          <p:cNvPr id="15" name="Group 65"/>
-          <p:cNvGrpSpPr>
-            <a:grpSpLocks/>
-          </p:cNvGrpSpPr>
-          <p:nvPr/>
-        </p:nvGrpSpPr>
-        <p:grpSpPr bwMode="auto">
-          <a:xfrm rot="16200000">
-            <a:off x="3978811" y="813512"/>
-            <a:ext cx="220724" cy="1631735"/>
-            <a:chOff x="1632" y="1728"/>
-            <a:chExt cx="96" cy="768"/>
-          </a:xfrm>
-        </p:grpSpPr>
-        <p:sp>
-          <p:nvSpPr>
-            <p:cNvPr id="39" name="Arc 58"/>
-            <p:cNvSpPr>
-              <a:spLocks/>
-            </p:cNvSpPr>
-            <p:nvPr/>
-          </p:nvSpPr>
-          <p:spPr bwMode="auto">
-            <a:xfrm>
-              <a:off x="1632" y="1920"/>
-              <a:ext cx="96" cy="96"/>
-            </a:xfrm>
-            <a:custGeom>
-              <a:avLst/>
-              <a:gdLst>
-                <a:gd name="T0" fmla="*/ 0 w 21600"/>
-                <a:gd name="T1" fmla="*/ 0 h 43174"/>
-                <a:gd name="T2" fmla="*/ 0 w 21600"/>
-                <a:gd name="T3" fmla="*/ 0 h 43174"/>
-                <a:gd name="T4" fmla="*/ 0 w 21600"/>
-                <a:gd name="T5" fmla="*/ 0 h 43174"/>
-                <a:gd name="T6" fmla="*/ 0 60000 65536"/>
-                <a:gd name="T7" fmla="*/ 0 60000 65536"/>
-                <a:gd name="T8" fmla="*/ 0 60000 65536"/>
-                <a:gd name="T9" fmla="*/ 0 w 21600"/>
-                <a:gd name="T10" fmla="*/ 0 h 43174"/>
-                <a:gd name="T11" fmla="*/ 21600 w 21600"/>
-                <a:gd name="T12" fmla="*/ 43174 h 43174"/>
-              </a:gdLst>
-              <a:ahLst/>
-              <a:cxnLst>
-                <a:cxn ang="T6">
-                  <a:pos x="T0" y="T1"/>
-                </a:cxn>
-                <a:cxn ang="T7">
-                  <a:pos x="T2" y="T3"/>
-                </a:cxn>
-                <a:cxn ang="T8">
-                  <a:pos x="T4" y="T5"/>
-                </a:cxn>
-              </a:cxnLst>
-              <a:rect l="T9" t="T10" r="T11" b="T12"/>
-              <a:pathLst>
-                <a:path w="21600" h="43174" fill="none" extrusionOk="0">
-                  <a:moveTo>
-                    <a:pt x="-1" y="0"/>
-                  </a:moveTo>
-                  <a:cubicBezTo>
-                    <a:pt x="11929" y="0"/>
-                    <a:pt x="21600" y="9670"/>
-                    <a:pt x="21600" y="21600"/>
-                  </a:cubicBezTo>
-                  <a:cubicBezTo>
-                    <a:pt x="21600" y="33123"/>
-                    <a:pt x="12553" y="42618"/>
-                    <a:pt x="1043" y="43174"/>
-                  </a:cubicBezTo>
-                </a:path>
-                <a:path w="21600" h="43174" stroke="0" extrusionOk="0">
-                  <a:moveTo>
-                    <a:pt x="-1" y="0"/>
-                  </a:moveTo>
-                  <a:cubicBezTo>
-                    <a:pt x="11929" y="0"/>
-                    <a:pt x="21600" y="9670"/>
-                    <a:pt x="21600" y="21600"/>
-                  </a:cubicBezTo>
-                  <a:cubicBezTo>
-                    <a:pt x="21600" y="33123"/>
-                    <a:pt x="12553" y="42618"/>
-                    <a:pt x="1043" y="43174"/>
-                  </a:cubicBezTo>
-                  <a:lnTo>
-                    <a:pt x="0" y="21600"/>
-                  </a:lnTo>
-                  <a:lnTo>
-                    <a:pt x="-1" y="0"/>
-                  </a:lnTo>
-                  <a:close/>
-                </a:path>
-              </a:pathLst>
-            </a:custGeom>
-            <a:noFill/>
-            <a:ln w="15875">
-              <a:solidFill>
-                <a:schemeClr val="tx1"/>
-              </a:solidFill>
-              <a:round/>
-              <a:headEnd/>
-              <a:tailEnd/>
-            </a:ln>
-            <a:extLst>
-              <a:ext uri="{909E8E84-426E-40DD-AFC4-6F175D3DCCD1}">
-                <a14:hiddenFill xmlns:a14="http://schemas.microsoft.com/office/drawing/2010/main">
-                  <a:solidFill>
-                    <a:srgbClr val="FFFFFF"/>
-                  </a:solidFill>
-                </a14:hiddenFill>
-              </a:ext>
-            </a:extLst>
-          </p:spPr>
-          <p:txBody>
-            <a:bodyPr wrap="none" anchor="ctr"/>
-            <a:lstStyle/>
-            <a:p>
-              <a:endParaRPr lang="en-US"/>
-            </a:p>
-          </p:txBody>
-        </p:sp>
-        <p:sp>
-          <p:nvSpPr>
-            <p:cNvPr id="40" name="Arc 59"/>
-            <p:cNvSpPr>
-              <a:spLocks/>
-            </p:cNvSpPr>
-            <p:nvPr/>
-          </p:nvSpPr>
-          <p:spPr bwMode="auto">
-            <a:xfrm>
-              <a:off x="1632" y="2016"/>
-              <a:ext cx="96" cy="96"/>
-            </a:xfrm>
-            <a:custGeom>
-              <a:avLst/>
-              <a:gdLst>
-                <a:gd name="T0" fmla="*/ 0 w 21600"/>
-                <a:gd name="T1" fmla="*/ 0 h 43174"/>
-                <a:gd name="T2" fmla="*/ 0 w 21600"/>
-                <a:gd name="T3" fmla="*/ 0 h 43174"/>
-                <a:gd name="T4" fmla="*/ 0 w 21600"/>
-                <a:gd name="T5" fmla="*/ 0 h 43174"/>
-                <a:gd name="T6" fmla="*/ 0 60000 65536"/>
-                <a:gd name="T7" fmla="*/ 0 60000 65536"/>
-                <a:gd name="T8" fmla="*/ 0 60000 65536"/>
-                <a:gd name="T9" fmla="*/ 0 w 21600"/>
-                <a:gd name="T10" fmla="*/ 0 h 43174"/>
-                <a:gd name="T11" fmla="*/ 21600 w 21600"/>
-                <a:gd name="T12" fmla="*/ 43174 h 43174"/>
-              </a:gdLst>
-              <a:ahLst/>
-              <a:cxnLst>
-                <a:cxn ang="T6">
-                  <a:pos x="T0" y="T1"/>
-                </a:cxn>
-                <a:cxn ang="T7">
-                  <a:pos x="T2" y="T3"/>
-                </a:cxn>
-                <a:cxn ang="T8">
-                  <a:pos x="T4" y="T5"/>
-                </a:cxn>
-              </a:cxnLst>
-              <a:rect l="T9" t="T10" r="T11" b="T12"/>
-              <a:pathLst>
-                <a:path w="21600" h="43174" fill="none" extrusionOk="0">
-                  <a:moveTo>
-                    <a:pt x="-1" y="0"/>
-                  </a:moveTo>
-                  <a:cubicBezTo>
-                    <a:pt x="11929" y="0"/>
-                    <a:pt x="21600" y="9670"/>
-                    <a:pt x="21600" y="21600"/>
-                  </a:cubicBezTo>
-                  <a:cubicBezTo>
-                    <a:pt x="21600" y="33123"/>
-                    <a:pt x="12553" y="42618"/>
-                    <a:pt x="1043" y="43174"/>
-                  </a:cubicBezTo>
-                </a:path>
-                <a:path w="21600" h="43174" stroke="0" extrusionOk="0">
-                  <a:moveTo>
-                    <a:pt x="-1" y="0"/>
-                  </a:moveTo>
-                  <a:cubicBezTo>
-                    <a:pt x="11929" y="0"/>
-                    <a:pt x="21600" y="9670"/>
-                    <a:pt x="21600" y="21600"/>
-                  </a:cubicBezTo>
-                  <a:cubicBezTo>
-                    <a:pt x="21600" y="33123"/>
-                    <a:pt x="12553" y="42618"/>
-                    <a:pt x="1043" y="43174"/>
-                  </a:cubicBezTo>
-                  <a:lnTo>
-                    <a:pt x="0" y="21600"/>
-                  </a:lnTo>
-                  <a:lnTo>
-                    <a:pt x="-1" y="0"/>
-                  </a:lnTo>
-                  <a:close/>
-                </a:path>
-              </a:pathLst>
-            </a:custGeom>
-            <a:noFill/>
-            <a:ln w="15875">
-              <a:solidFill>
-                <a:schemeClr val="tx1"/>
-              </a:solidFill>
-              <a:round/>
-              <a:headEnd/>
-              <a:tailEnd/>
-            </a:ln>
-            <a:extLst>
-              <a:ext uri="{909E8E84-426E-40DD-AFC4-6F175D3DCCD1}">
-                <a14:hiddenFill xmlns:a14="http://schemas.microsoft.com/office/drawing/2010/main">
-                  <a:solidFill>
-                    <a:srgbClr val="FFFFFF"/>
-                  </a:solidFill>
-                </a14:hiddenFill>
-              </a:ext>
-            </a:extLst>
-          </p:spPr>
-          <p:txBody>
-            <a:bodyPr wrap="none" anchor="ctr"/>
-            <a:lstStyle/>
-            <a:p>
-              <a:endParaRPr lang="en-US"/>
-            </a:p>
-          </p:txBody>
-        </p:sp>
-        <p:sp>
-          <p:nvSpPr>
-            <p:cNvPr id="41" name="Arc 60"/>
-            <p:cNvSpPr>
-              <a:spLocks/>
-            </p:cNvSpPr>
-            <p:nvPr/>
-          </p:nvSpPr>
-          <p:spPr bwMode="auto">
-            <a:xfrm>
-              <a:off x="1632" y="2112"/>
-              <a:ext cx="96" cy="96"/>
-            </a:xfrm>
-            <a:custGeom>
-              <a:avLst/>
-              <a:gdLst>
-                <a:gd name="T0" fmla="*/ 0 w 21600"/>
-                <a:gd name="T1" fmla="*/ 0 h 43174"/>
-                <a:gd name="T2" fmla="*/ 0 w 21600"/>
-                <a:gd name="T3" fmla="*/ 0 h 43174"/>
-                <a:gd name="T4" fmla="*/ 0 w 21600"/>
-                <a:gd name="T5" fmla="*/ 0 h 43174"/>
-                <a:gd name="T6" fmla="*/ 0 60000 65536"/>
-                <a:gd name="T7" fmla="*/ 0 60000 65536"/>
-                <a:gd name="T8" fmla="*/ 0 60000 65536"/>
-                <a:gd name="T9" fmla="*/ 0 w 21600"/>
-                <a:gd name="T10" fmla="*/ 0 h 43174"/>
-                <a:gd name="T11" fmla="*/ 21600 w 21600"/>
-                <a:gd name="T12" fmla="*/ 43174 h 43174"/>
-              </a:gdLst>
-              <a:ahLst/>
-              <a:cxnLst>
-                <a:cxn ang="T6">
-                  <a:pos x="T0" y="T1"/>
-                </a:cxn>
-                <a:cxn ang="T7">
-                  <a:pos x="T2" y="T3"/>
-                </a:cxn>
-                <a:cxn ang="T8">
-                  <a:pos x="T4" y="T5"/>
-                </a:cxn>
-              </a:cxnLst>
-              <a:rect l="T9" t="T10" r="T11" b="T12"/>
-              <a:pathLst>
-                <a:path w="21600" h="43174" fill="none" extrusionOk="0">
-                  <a:moveTo>
-                    <a:pt x="-1" y="0"/>
-                  </a:moveTo>
-                  <a:cubicBezTo>
-                    <a:pt x="11929" y="0"/>
-                    <a:pt x="21600" y="9670"/>
-                    <a:pt x="21600" y="21600"/>
-                  </a:cubicBezTo>
-                  <a:cubicBezTo>
-                    <a:pt x="21600" y="33123"/>
-                    <a:pt x="12553" y="42618"/>
-                    <a:pt x="1043" y="43174"/>
-                  </a:cubicBezTo>
-                </a:path>
-                <a:path w="21600" h="43174" stroke="0" extrusionOk="0">
-                  <a:moveTo>
-                    <a:pt x="-1" y="0"/>
-                  </a:moveTo>
-                  <a:cubicBezTo>
-                    <a:pt x="11929" y="0"/>
-                    <a:pt x="21600" y="9670"/>
-                    <a:pt x="21600" y="21600"/>
-                  </a:cubicBezTo>
-                  <a:cubicBezTo>
-                    <a:pt x="21600" y="33123"/>
-                    <a:pt x="12553" y="42618"/>
-                    <a:pt x="1043" y="43174"/>
-                  </a:cubicBezTo>
-                  <a:lnTo>
-                    <a:pt x="0" y="21600"/>
-                  </a:lnTo>
-                  <a:lnTo>
-                    <a:pt x="-1" y="0"/>
-                  </a:lnTo>
-                  <a:close/>
-                </a:path>
-              </a:pathLst>
-            </a:custGeom>
-            <a:noFill/>
-            <a:ln w="15875">
-              <a:solidFill>
-                <a:schemeClr val="tx1"/>
-              </a:solidFill>
-              <a:round/>
-              <a:headEnd/>
-              <a:tailEnd/>
-            </a:ln>
-            <a:extLst>
-              <a:ext uri="{909E8E84-426E-40DD-AFC4-6F175D3DCCD1}">
-                <a14:hiddenFill xmlns:a14="http://schemas.microsoft.com/office/drawing/2010/main">
-                  <a:solidFill>
-                    <a:srgbClr val="FFFFFF"/>
-                  </a:solidFill>
-                </a14:hiddenFill>
-              </a:ext>
-            </a:extLst>
-          </p:spPr>
-          <p:txBody>
-            <a:bodyPr wrap="none" anchor="ctr"/>
-            <a:lstStyle/>
-            <a:p>
-              <a:endParaRPr lang="en-US"/>
-            </a:p>
-          </p:txBody>
-        </p:sp>
-        <p:sp>
-          <p:nvSpPr>
-            <p:cNvPr id="42" name="Arc 61"/>
-            <p:cNvSpPr>
-              <a:spLocks/>
-            </p:cNvSpPr>
-            <p:nvPr/>
-          </p:nvSpPr>
-          <p:spPr bwMode="auto">
-            <a:xfrm>
-              <a:off x="1632" y="2208"/>
-              <a:ext cx="96" cy="96"/>
-            </a:xfrm>
-            <a:custGeom>
-              <a:avLst/>
-              <a:gdLst>
-                <a:gd name="T0" fmla="*/ 0 w 21600"/>
-                <a:gd name="T1" fmla="*/ 0 h 43174"/>
-                <a:gd name="T2" fmla="*/ 0 w 21600"/>
-                <a:gd name="T3" fmla="*/ 0 h 43174"/>
-                <a:gd name="T4" fmla="*/ 0 w 21600"/>
-                <a:gd name="T5" fmla="*/ 0 h 43174"/>
-                <a:gd name="T6" fmla="*/ 0 60000 65536"/>
-                <a:gd name="T7" fmla="*/ 0 60000 65536"/>
-                <a:gd name="T8" fmla="*/ 0 60000 65536"/>
-                <a:gd name="T9" fmla="*/ 0 w 21600"/>
-                <a:gd name="T10" fmla="*/ 0 h 43174"/>
-                <a:gd name="T11" fmla="*/ 21600 w 21600"/>
-                <a:gd name="T12" fmla="*/ 43174 h 43174"/>
-              </a:gdLst>
-              <a:ahLst/>
-              <a:cxnLst>
-                <a:cxn ang="T6">
-                  <a:pos x="T0" y="T1"/>
-                </a:cxn>
-                <a:cxn ang="T7">
-                  <a:pos x="T2" y="T3"/>
-                </a:cxn>
-                <a:cxn ang="T8">
-                  <a:pos x="T4" y="T5"/>
-                </a:cxn>
-              </a:cxnLst>
-              <a:rect l="T9" t="T10" r="T11" b="T12"/>
-              <a:pathLst>
-                <a:path w="21600" h="43174" fill="none" extrusionOk="0">
-                  <a:moveTo>
-                    <a:pt x="-1" y="0"/>
-                  </a:moveTo>
-                  <a:cubicBezTo>
-                    <a:pt x="11929" y="0"/>
-                    <a:pt x="21600" y="9670"/>
-                    <a:pt x="21600" y="21600"/>
-                  </a:cubicBezTo>
-                  <a:cubicBezTo>
-                    <a:pt x="21600" y="33123"/>
-                    <a:pt x="12553" y="42618"/>
-                    <a:pt x="1043" y="43174"/>
-                  </a:cubicBezTo>
-                </a:path>
-                <a:path w="21600" h="43174" stroke="0" extrusionOk="0">
-                  <a:moveTo>
-                    <a:pt x="-1" y="0"/>
-                  </a:moveTo>
-                  <a:cubicBezTo>
-                    <a:pt x="11929" y="0"/>
-                    <a:pt x="21600" y="9670"/>
-                    <a:pt x="21600" y="21600"/>
-                  </a:cubicBezTo>
-                  <a:cubicBezTo>
-                    <a:pt x="21600" y="33123"/>
-                    <a:pt x="12553" y="42618"/>
-                    <a:pt x="1043" y="43174"/>
-                  </a:cubicBezTo>
-                  <a:lnTo>
-                    <a:pt x="0" y="21600"/>
-                  </a:lnTo>
-                  <a:lnTo>
-                    <a:pt x="-1" y="0"/>
-                  </a:lnTo>
-                  <a:close/>
-                </a:path>
-              </a:pathLst>
-            </a:custGeom>
-            <a:noFill/>
-            <a:ln w="15875">
-              <a:solidFill>
-                <a:schemeClr val="tx1"/>
-              </a:solidFill>
-              <a:round/>
-              <a:headEnd/>
-              <a:tailEnd/>
-            </a:ln>
-            <a:extLst>
-              <a:ext uri="{909E8E84-426E-40DD-AFC4-6F175D3DCCD1}">
-                <a14:hiddenFill xmlns:a14="http://schemas.microsoft.com/office/drawing/2010/main">
-                  <a:solidFill>
-                    <a:srgbClr val="FFFFFF"/>
-                  </a:solidFill>
-                </a14:hiddenFill>
-              </a:ext>
-            </a:extLst>
-          </p:spPr>
-          <p:txBody>
-            <a:bodyPr wrap="none" anchor="ctr"/>
-            <a:lstStyle/>
-            <a:p>
-              <a:endParaRPr lang="en-US"/>
-            </a:p>
-          </p:txBody>
-        </p:sp>
-        <p:sp>
-          <p:nvSpPr>
-            <p:cNvPr id="43" name="Line 63"/>
-            <p:cNvSpPr>
-              <a:spLocks noChangeShapeType="1"/>
-            </p:cNvSpPr>
-            <p:nvPr/>
-          </p:nvSpPr>
-          <p:spPr bwMode="auto">
-            <a:xfrm flipV="1">
-              <a:off x="1632" y="1728"/>
-              <a:ext cx="0" cy="192"/>
-            </a:xfrm>
-            <a:prstGeom prst="line">
-              <a:avLst/>
-            </a:prstGeom>
-            <a:noFill/>
-            <a:ln w="15875">
-              <a:solidFill>
-                <a:schemeClr val="tx1"/>
-              </a:solidFill>
-              <a:round/>
-              <a:headEnd/>
-              <a:tailEnd/>
-            </a:ln>
-            <a:extLst>
-              <a:ext uri="{909E8E84-426E-40DD-AFC4-6F175D3DCCD1}">
-                <a14:hiddenFill xmlns:a14="http://schemas.microsoft.com/office/drawing/2010/main">
-                  <a:noFill/>
-                </a14:hiddenFill>
-              </a:ext>
-            </a:extLst>
-          </p:spPr>
-          <p:txBody>
-            <a:bodyPr wrap="none" anchor="ctr"/>
-            <a:lstStyle/>
-            <a:p>
-              <a:endParaRPr lang="en-US"/>
-            </a:p>
-          </p:txBody>
-        </p:sp>
-        <p:sp>
-          <p:nvSpPr>
-            <p:cNvPr id="44" name="Line 64"/>
-            <p:cNvSpPr>
-              <a:spLocks noChangeShapeType="1"/>
-            </p:cNvSpPr>
-            <p:nvPr/>
-          </p:nvSpPr>
-          <p:spPr bwMode="auto">
-            <a:xfrm>
-              <a:off x="1632" y="2304"/>
-              <a:ext cx="0" cy="192"/>
-            </a:xfrm>
-            <a:prstGeom prst="line">
-              <a:avLst/>
-            </a:prstGeom>
-            <a:noFill/>
-            <a:ln w="15875">
-              <a:solidFill>
-                <a:schemeClr val="tx1"/>
-              </a:solidFill>
-              <a:round/>
-              <a:headEnd/>
-              <a:tailEnd/>
-            </a:ln>
-            <a:extLst>
-              <a:ext uri="{909E8E84-426E-40DD-AFC4-6F175D3DCCD1}">
-                <a14:hiddenFill xmlns:a14="http://schemas.microsoft.com/office/drawing/2010/main">
-                  <a:noFill/>
-                </a14:hiddenFill>
-              </a:ext>
-            </a:extLst>
-          </p:spPr>
-          <p:txBody>
-            <a:bodyPr wrap="none" anchor="ctr"/>
-            <a:lstStyle/>
-            <a:p>
-              <a:endParaRPr lang="en-US"/>
-            </a:p>
-          </p:txBody>
-        </p:sp>
-      </p:grpSp>
-      <p:sp>
-        <p:nvSpPr>
-          <p:cNvPr id="16" name="Line 66"/>
-          <p:cNvSpPr>
-            <a:spLocks noChangeShapeType="1"/>
-          </p:cNvSpPr>
-          <p:nvPr/>
-        </p:nvSpPr>
-        <p:spPr bwMode="auto">
-          <a:xfrm>
-            <a:off x="4905041" y="1739741"/>
-            <a:ext cx="0" cy="551808"/>
-          </a:xfrm>
-          <a:prstGeom prst="line">
-            <a:avLst/>
-          </a:prstGeom>
-          <a:noFill/>
-          <a:ln w="15875">
-            <a:solidFill>
-              <a:schemeClr val="tx1"/>
-            </a:solidFill>
-            <a:round/>
-            <a:headEnd/>
-            <a:tailEnd/>
-          </a:ln>
-          <a:extLst>
-            <a:ext uri="{909E8E84-426E-40DD-AFC4-6F175D3DCCD1}">
-              <a14:hiddenFill xmlns:a14="http://schemas.microsoft.com/office/drawing/2010/main">
-                <a:noFill/>
-              </a14:hiddenFill>
-            </a:ext>
-          </a:extLst>
-        </p:spPr>
-        <p:txBody>
-          <a:bodyPr wrap="none" anchor="ctr"/>
-          <a:lstStyle/>
-          <a:p>
-            <a:endParaRPr lang="en-US"/>
-          </a:p>
-        </p:txBody>
-      </p:sp>
-      <p:sp>
-        <p:nvSpPr>
-          <p:cNvPr id="17" name="Oval 67"/>
-          <p:cNvSpPr>
-            <a:spLocks noChangeArrowheads="1"/>
-          </p:cNvSpPr>
-          <p:nvPr/>
-        </p:nvSpPr>
-        <p:spPr bwMode="auto">
-          <a:xfrm>
-            <a:off x="4854049" y="2282353"/>
-            <a:ext cx="101984" cy="110362"/>
-          </a:xfrm>
-          <a:prstGeom prst="ellipse">
-            <a:avLst/>
-          </a:prstGeom>
-          <a:noFill/>
-          <a:ln w="9525">
-            <a:solidFill>
-              <a:schemeClr val="tx1"/>
-            </a:solidFill>
-            <a:round/>
-            <a:headEnd/>
-            <a:tailEnd/>
-          </a:ln>
-          <a:extLst>
-            <a:ext uri="{909E8E84-426E-40DD-AFC4-6F175D3DCCD1}">
-              <a14:hiddenFill xmlns:a14="http://schemas.microsoft.com/office/drawing/2010/main">
-                <a:solidFill>
-                  <a:srgbClr val="FFFFFF"/>
-                </a:solidFill>
-              </a14:hiddenFill>
-            </a:ext>
-          </a:extLst>
-        </p:spPr>
-        <p:txBody>
-          <a:bodyPr wrap="none" anchor="ctr"/>
-          <a:lstStyle>
-            <a:lvl1pPr>
-              <a:spcBef>
-                <a:spcPct val="20000"/>
-              </a:spcBef>
-              <a:buFont typeface="Arial" panose="020B0604020202020204" pitchFamily="34" charset="0"/>
-              <a:buChar char="•"/>
-              <a:defRPr sz="3200">
-                <a:solidFill>
-                  <a:schemeClr val="tx1"/>
-                </a:solidFill>
-                <a:latin typeface="Calibri" panose="020F0502020204030204" pitchFamily="34" charset="0"/>
-              </a:defRPr>
-            </a:lvl1pPr>
-            <a:lvl2pPr marL="742950" indent="-285750">
-              <a:spcBef>
-                <a:spcPct val="20000"/>
-              </a:spcBef>
-              <a:buFont typeface="Arial" panose="020B0604020202020204" pitchFamily="34" charset="0"/>
-              <a:buChar char="–"/>
-              <a:defRPr sz="2800">
-                <a:solidFill>
-                  <a:schemeClr val="tx1"/>
-                </a:solidFill>
-                <a:latin typeface="Calibri" panose="020F0502020204030204" pitchFamily="34" charset="0"/>
-              </a:defRPr>
-            </a:lvl2pPr>
-            <a:lvl3pPr marL="1143000" indent="-228600">
-              <a:spcBef>
-                <a:spcPct val="20000"/>
-              </a:spcBef>
-              <a:buFont typeface="Arial" panose="020B0604020202020204" pitchFamily="34" charset="0"/>
-              <a:buChar char="•"/>
-              <a:defRPr sz="2400">
-                <a:solidFill>
-                  <a:schemeClr val="tx1"/>
-                </a:solidFill>
-                <a:latin typeface="Calibri" panose="020F0502020204030204" pitchFamily="34" charset="0"/>
-              </a:defRPr>
-            </a:lvl3pPr>
-            <a:lvl4pPr marL="1600200" indent="-228600">
-              <a:spcBef>
-                <a:spcPct val="20000"/>
-              </a:spcBef>
-              <a:buFont typeface="Arial" panose="020B0604020202020204" pitchFamily="34" charset="0"/>
-              <a:buChar char="–"/>
-              <a:defRPr sz="2000">
-                <a:solidFill>
-                  <a:schemeClr val="tx1"/>
-                </a:solidFill>
-                <a:latin typeface="Calibri" panose="020F0502020204030204" pitchFamily="34" charset="0"/>
-              </a:defRPr>
-            </a:lvl4pPr>
-            <a:lvl5pPr marL="2057400" indent="-228600">
-              <a:spcBef>
-                <a:spcPct val="20000"/>
-              </a:spcBef>
-              <a:buFont typeface="Arial" panose="020B0604020202020204" pitchFamily="34" charset="0"/>
-              <a:buChar char="»"/>
-              <a:defRPr sz="2000">
-                <a:solidFill>
-                  <a:schemeClr val="tx1"/>
-                </a:solidFill>
-                <a:latin typeface="Calibri" panose="020F0502020204030204" pitchFamily="34" charset="0"/>
-              </a:defRPr>
-            </a:lvl5pPr>
-            <a:lvl6pPr marL="2514600" indent="-228600" eaLnBrk="0" fontAlgn="base" hangingPunct="0">
-              <a:spcBef>
-                <a:spcPct val="20000"/>
-              </a:spcBef>
-              <a:spcAft>
-                <a:spcPct val="0"/>
-              </a:spcAft>
-              <a:buFont typeface="Arial" panose="020B0604020202020204" pitchFamily="34" charset="0"/>
-              <a:buChar char="»"/>
-              <a:defRPr sz="2000">
-                <a:solidFill>
-                  <a:schemeClr val="tx1"/>
-                </a:solidFill>
-                <a:latin typeface="Calibri" panose="020F0502020204030204" pitchFamily="34" charset="0"/>
-              </a:defRPr>
-            </a:lvl6pPr>
-            <a:lvl7pPr marL="2971800" indent="-228600" eaLnBrk="0" fontAlgn="base" hangingPunct="0">
-              <a:spcBef>
-                <a:spcPct val="20000"/>
-              </a:spcBef>
-              <a:spcAft>
-                <a:spcPct val="0"/>
-              </a:spcAft>
-              <a:buFont typeface="Arial" panose="020B0604020202020204" pitchFamily="34" charset="0"/>
-              <a:buChar char="»"/>
-              <a:defRPr sz="2000">
-                <a:solidFill>
-                  <a:schemeClr val="tx1"/>
-                </a:solidFill>
-                <a:latin typeface="Calibri" panose="020F0502020204030204" pitchFamily="34" charset="0"/>
-              </a:defRPr>
-            </a:lvl7pPr>
-            <a:lvl8pPr marL="3429000" indent="-228600" eaLnBrk="0" fontAlgn="base" hangingPunct="0">
-              <a:spcBef>
-                <a:spcPct val="20000"/>
-              </a:spcBef>
-              <a:spcAft>
-                <a:spcPct val="0"/>
-              </a:spcAft>
-              <a:buFont typeface="Arial" panose="020B0604020202020204" pitchFamily="34" charset="0"/>
-              <a:buChar char="»"/>
-              <a:defRPr sz="2000">
-                <a:solidFill>
-                  <a:schemeClr val="tx1"/>
-                </a:solidFill>
-                <a:latin typeface="Calibri" panose="020F0502020204030204" pitchFamily="34" charset="0"/>
-              </a:defRPr>
-            </a:lvl8pPr>
-            <a:lvl9pPr marL="3886200" indent="-228600" eaLnBrk="0" fontAlgn="base" hangingPunct="0">
-              <a:spcBef>
-                <a:spcPct val="20000"/>
-              </a:spcBef>
-              <a:spcAft>
-                <a:spcPct val="0"/>
-              </a:spcAft>
-              <a:buFont typeface="Arial" panose="020B0604020202020204" pitchFamily="34" charset="0"/>
-              <a:buChar char="»"/>
-              <a:defRPr sz="2000">
-                <a:solidFill>
-                  <a:schemeClr val="tx1"/>
-                </a:solidFill>
-                <a:latin typeface="Calibri" panose="020F0502020204030204" pitchFamily="34" charset="0"/>
-              </a:defRPr>
-            </a:lvl9pPr>
-          </a:lstStyle>
-          <a:p>
-            <a:pPr>
-              <a:spcBef>
-                <a:spcPct val="0"/>
-              </a:spcBef>
-              <a:buFontTx/>
-              <a:buNone/>
-            </a:pPr>
-            <a:endParaRPr lang="en-US" altLang="en-US" sz="1600">
-              <a:latin typeface="Times" panose="02020603050405020304" pitchFamily="18" charset="0"/>
-            </a:endParaRPr>
-          </a:p>
-        </p:txBody>
-      </p:sp>
-      <p:sp>
-        <p:nvSpPr>
-          <p:cNvPr id="18" name="Oval 68"/>
-          <p:cNvSpPr>
-            <a:spLocks noChangeArrowheads="1"/>
-          </p:cNvSpPr>
-          <p:nvPr/>
-        </p:nvSpPr>
-        <p:spPr bwMode="auto">
-          <a:xfrm>
-            <a:off x="4871046" y="2769783"/>
-            <a:ext cx="101984" cy="110362"/>
-          </a:xfrm>
-          <a:prstGeom prst="ellipse">
-            <a:avLst/>
-          </a:prstGeom>
-          <a:noFill/>
-          <a:ln w="9525">
-            <a:solidFill>
-              <a:schemeClr val="tx1"/>
-            </a:solidFill>
-            <a:round/>
-            <a:headEnd/>
-            <a:tailEnd/>
-          </a:ln>
-          <a:extLst>
-            <a:ext uri="{909E8E84-426E-40DD-AFC4-6F175D3DCCD1}">
-              <a14:hiddenFill xmlns:a14="http://schemas.microsoft.com/office/drawing/2010/main">
-                <a:solidFill>
-                  <a:srgbClr val="FFFFFF"/>
-                </a:solidFill>
-              </a14:hiddenFill>
-            </a:ext>
-          </a:extLst>
-        </p:spPr>
-        <p:txBody>
-          <a:bodyPr wrap="none" anchor="ctr"/>
-          <a:lstStyle>
-            <a:lvl1pPr>
-              <a:spcBef>
-                <a:spcPct val="20000"/>
-              </a:spcBef>
-              <a:buFont typeface="Arial" panose="020B0604020202020204" pitchFamily="34" charset="0"/>
-              <a:buChar char="•"/>
-              <a:defRPr sz="3200">
-                <a:solidFill>
-                  <a:schemeClr val="tx1"/>
-                </a:solidFill>
-                <a:latin typeface="Calibri" panose="020F0502020204030204" pitchFamily="34" charset="0"/>
-              </a:defRPr>
-            </a:lvl1pPr>
-            <a:lvl2pPr marL="742950" indent="-285750">
-              <a:spcBef>
-                <a:spcPct val="20000"/>
-              </a:spcBef>
-              <a:buFont typeface="Arial" panose="020B0604020202020204" pitchFamily="34" charset="0"/>
-              <a:buChar char="–"/>
-              <a:defRPr sz="2800">
-                <a:solidFill>
-                  <a:schemeClr val="tx1"/>
-                </a:solidFill>
-                <a:latin typeface="Calibri" panose="020F0502020204030204" pitchFamily="34" charset="0"/>
-              </a:defRPr>
-            </a:lvl2pPr>
-            <a:lvl3pPr marL="1143000" indent="-228600">
-              <a:spcBef>
-                <a:spcPct val="20000"/>
-              </a:spcBef>
-              <a:buFont typeface="Arial" panose="020B0604020202020204" pitchFamily="34" charset="0"/>
-              <a:buChar char="•"/>
-              <a:defRPr sz="2400">
-                <a:solidFill>
-                  <a:schemeClr val="tx1"/>
-                </a:solidFill>
-                <a:latin typeface="Calibri" panose="020F0502020204030204" pitchFamily="34" charset="0"/>
-              </a:defRPr>
-            </a:lvl3pPr>
-            <a:lvl4pPr marL="1600200" indent="-228600">
-              <a:spcBef>
-                <a:spcPct val="20000"/>
-              </a:spcBef>
-              <a:buFont typeface="Arial" panose="020B0604020202020204" pitchFamily="34" charset="0"/>
-              <a:buChar char="–"/>
-              <a:defRPr sz="2000">
-                <a:solidFill>
-                  <a:schemeClr val="tx1"/>
-                </a:solidFill>
-                <a:latin typeface="Calibri" panose="020F0502020204030204" pitchFamily="34" charset="0"/>
-              </a:defRPr>
-            </a:lvl4pPr>
-            <a:lvl5pPr marL="2057400" indent="-228600">
-              <a:spcBef>
-                <a:spcPct val="20000"/>
-              </a:spcBef>
-              <a:buFont typeface="Arial" panose="020B0604020202020204" pitchFamily="34" charset="0"/>
-              <a:buChar char="»"/>
-              <a:defRPr sz="2000">
-                <a:solidFill>
-                  <a:schemeClr val="tx1"/>
-                </a:solidFill>
-                <a:latin typeface="Calibri" panose="020F0502020204030204" pitchFamily="34" charset="0"/>
-              </a:defRPr>
-            </a:lvl5pPr>
-            <a:lvl6pPr marL="2514600" indent="-228600" eaLnBrk="0" fontAlgn="base" hangingPunct="0">
-              <a:spcBef>
-                <a:spcPct val="20000"/>
-              </a:spcBef>
-              <a:spcAft>
-                <a:spcPct val="0"/>
-              </a:spcAft>
-              <a:buFont typeface="Arial" panose="020B0604020202020204" pitchFamily="34" charset="0"/>
-              <a:buChar char="»"/>
-              <a:defRPr sz="2000">
-                <a:solidFill>
-                  <a:schemeClr val="tx1"/>
-                </a:solidFill>
-                <a:latin typeface="Calibri" panose="020F0502020204030204" pitchFamily="34" charset="0"/>
-              </a:defRPr>
-            </a:lvl6pPr>
-            <a:lvl7pPr marL="2971800" indent="-228600" eaLnBrk="0" fontAlgn="base" hangingPunct="0">
-              <a:spcBef>
-                <a:spcPct val="20000"/>
-              </a:spcBef>
-              <a:spcAft>
-                <a:spcPct val="0"/>
-              </a:spcAft>
-              <a:buFont typeface="Arial" panose="020B0604020202020204" pitchFamily="34" charset="0"/>
-              <a:buChar char="»"/>
-              <a:defRPr sz="2000">
-                <a:solidFill>
-                  <a:schemeClr val="tx1"/>
-                </a:solidFill>
-                <a:latin typeface="Calibri" panose="020F0502020204030204" pitchFamily="34" charset="0"/>
-              </a:defRPr>
-            </a:lvl7pPr>
-            <a:lvl8pPr marL="3429000" indent="-228600" eaLnBrk="0" fontAlgn="base" hangingPunct="0">
-              <a:spcBef>
-                <a:spcPct val="20000"/>
-              </a:spcBef>
-              <a:spcAft>
-                <a:spcPct val="0"/>
-              </a:spcAft>
-              <a:buFont typeface="Arial" panose="020B0604020202020204" pitchFamily="34" charset="0"/>
-              <a:buChar char="»"/>
-              <a:defRPr sz="2000">
-                <a:solidFill>
-                  <a:schemeClr val="tx1"/>
-                </a:solidFill>
-                <a:latin typeface="Calibri" panose="020F0502020204030204" pitchFamily="34" charset="0"/>
-              </a:defRPr>
-            </a:lvl8pPr>
-            <a:lvl9pPr marL="3886200" indent="-228600" eaLnBrk="0" fontAlgn="base" hangingPunct="0">
-              <a:spcBef>
-                <a:spcPct val="20000"/>
-              </a:spcBef>
-              <a:spcAft>
-                <a:spcPct val="0"/>
-              </a:spcAft>
-              <a:buFont typeface="Arial" panose="020B0604020202020204" pitchFamily="34" charset="0"/>
-              <a:buChar char="»"/>
-              <a:defRPr sz="2000">
-                <a:solidFill>
-                  <a:schemeClr val="tx1"/>
-                </a:solidFill>
-                <a:latin typeface="Calibri" panose="020F0502020204030204" pitchFamily="34" charset="0"/>
-              </a:defRPr>
-            </a:lvl9pPr>
-          </a:lstStyle>
-          <a:p>
-            <a:pPr>
-              <a:spcBef>
-                <a:spcPct val="0"/>
-              </a:spcBef>
-              <a:buFontTx/>
-              <a:buNone/>
-            </a:pPr>
-            <a:endParaRPr lang="en-US" altLang="en-US" sz="1600">
-              <a:latin typeface="Times" panose="02020603050405020304" pitchFamily="18" charset="0"/>
-            </a:endParaRPr>
-          </a:p>
-        </p:txBody>
-      </p:sp>
-      <p:sp>
-        <p:nvSpPr>
-          <p:cNvPr id="19" name="Line 69"/>
-          <p:cNvSpPr>
-            <a:spLocks noChangeShapeType="1"/>
-          </p:cNvSpPr>
-          <p:nvPr/>
-        </p:nvSpPr>
-        <p:spPr bwMode="auto">
-          <a:xfrm>
-            <a:off x="4905041" y="2401911"/>
-            <a:ext cx="203967" cy="441446"/>
-          </a:xfrm>
-          <a:prstGeom prst="line">
-            <a:avLst/>
-          </a:prstGeom>
-          <a:noFill/>
-          <a:ln w="19050">
-            <a:solidFill>
-              <a:schemeClr val="tx1"/>
-            </a:solidFill>
-            <a:round/>
-            <a:headEnd/>
-            <a:tailEnd type="triangle" w="med" len="med"/>
-          </a:ln>
-          <a:extLst>
-            <a:ext uri="{909E8E84-426E-40DD-AFC4-6F175D3DCCD1}">
-              <a14:hiddenFill xmlns:a14="http://schemas.microsoft.com/office/drawing/2010/main">
-                <a:noFill/>
-              </a14:hiddenFill>
-            </a:ext>
-          </a:extLst>
-        </p:spPr>
-        <p:txBody>
-          <a:bodyPr wrap="none" anchor="ctr"/>
-          <a:lstStyle/>
-          <a:p>
-            <a:endParaRPr lang="en-US"/>
-          </a:p>
-        </p:txBody>
-      </p:sp>
-      <p:grpSp>
-        <p:nvGrpSpPr>
-          <p:cNvPr id="57" name="Group 56"/>
-          <p:cNvGrpSpPr/>
-          <p:nvPr/>
-        </p:nvGrpSpPr>
-        <p:grpSpPr>
-          <a:xfrm>
-            <a:off x="4701074" y="2907736"/>
-            <a:ext cx="407934" cy="606989"/>
-            <a:chOff x="4701074" y="2907736"/>
-            <a:chExt cx="407934" cy="606989"/>
-          </a:xfrm>
-        </p:grpSpPr>
-        <p:grpSp>
-          <p:nvGrpSpPr>
-            <p:cNvPr id="13" name="Group 71"/>
-            <p:cNvGrpSpPr>
-              <a:grpSpLocks/>
-            </p:cNvGrpSpPr>
-            <p:nvPr/>
-          </p:nvGrpSpPr>
-          <p:grpSpPr bwMode="auto">
-            <a:xfrm>
-              <a:off x="4701074" y="3284804"/>
-              <a:ext cx="407934" cy="229921"/>
-              <a:chOff x="1344" y="1680"/>
-              <a:chExt cx="192" cy="100"/>
-            </a:xfrm>
-          </p:grpSpPr>
-          <p:sp>
-            <p:nvSpPr>
-              <p:cNvPr id="54" name="Line 26"/>
-              <p:cNvSpPr>
-                <a:spLocks noChangeShapeType="1"/>
-              </p:cNvSpPr>
-              <p:nvPr/>
-            </p:nvSpPr>
-            <p:spPr bwMode="auto">
-              <a:xfrm>
-                <a:off x="1344" y="1680"/>
-                <a:ext cx="192" cy="0"/>
-              </a:xfrm>
-              <a:prstGeom prst="line">
-                <a:avLst/>
-              </a:prstGeom>
-              <a:noFill/>
-              <a:ln w="15875">
-                <a:solidFill>
-                  <a:schemeClr val="tx1"/>
-                </a:solidFill>
-                <a:round/>
-                <a:headEnd/>
-                <a:tailEnd/>
-              </a:ln>
-              <a:extLst>
-                <a:ext uri="{909E8E84-426E-40DD-AFC4-6F175D3DCCD1}">
-                  <a14:hiddenFill xmlns:a14="http://schemas.microsoft.com/office/drawing/2010/main">
-                    <a:noFill/>
-                  </a14:hiddenFill>
-                </a:ext>
-              </a:extLst>
-            </p:spPr>
-            <p:txBody>
-              <a:bodyPr wrap="none" anchor="ctr"/>
-              <a:lstStyle/>
-              <a:p>
-                <a:endParaRPr lang="en-US"/>
-              </a:p>
-            </p:txBody>
-          </p:sp>
-          <p:sp>
-            <p:nvSpPr>
-              <p:cNvPr id="55" name="Line 27"/>
-              <p:cNvSpPr>
-                <a:spLocks noChangeShapeType="1"/>
-              </p:cNvSpPr>
-              <p:nvPr/>
-            </p:nvSpPr>
-            <p:spPr bwMode="auto">
-              <a:xfrm>
-                <a:off x="1388" y="1732"/>
-                <a:ext cx="96" cy="0"/>
-              </a:xfrm>
-              <a:prstGeom prst="line">
-                <a:avLst/>
-              </a:prstGeom>
-              <a:noFill/>
-              <a:ln w="15875">
-                <a:solidFill>
-                  <a:schemeClr val="tx1"/>
-                </a:solidFill>
-                <a:round/>
-                <a:headEnd/>
-                <a:tailEnd/>
-              </a:ln>
-              <a:extLst>
-                <a:ext uri="{909E8E84-426E-40DD-AFC4-6F175D3DCCD1}">
-                  <a14:hiddenFill xmlns:a14="http://schemas.microsoft.com/office/drawing/2010/main">
-                    <a:noFill/>
-                  </a14:hiddenFill>
-                </a:ext>
-              </a:extLst>
-            </p:spPr>
-            <p:txBody>
-              <a:bodyPr wrap="none" anchor="ctr"/>
-              <a:lstStyle/>
-              <a:p>
-                <a:endParaRPr lang="en-US"/>
-              </a:p>
-            </p:txBody>
-          </p:sp>
-          <p:sp>
-            <p:nvSpPr>
-              <p:cNvPr id="56" name="Line 28"/>
-              <p:cNvSpPr>
-                <a:spLocks noChangeShapeType="1"/>
-              </p:cNvSpPr>
-              <p:nvPr/>
-            </p:nvSpPr>
-            <p:spPr bwMode="auto">
-              <a:xfrm>
-                <a:off x="1416" y="1780"/>
-                <a:ext cx="36" cy="0"/>
-              </a:xfrm>
-              <a:prstGeom prst="line">
-                <a:avLst/>
-              </a:prstGeom>
-              <a:noFill/>
-              <a:ln w="15875">
-                <a:solidFill>
-                  <a:schemeClr val="tx1"/>
-                </a:solidFill>
-                <a:round/>
-                <a:headEnd/>
-                <a:tailEnd/>
-              </a:ln>
-              <a:extLst>
-                <a:ext uri="{909E8E84-426E-40DD-AFC4-6F175D3DCCD1}">
-                  <a14:hiddenFill xmlns:a14="http://schemas.microsoft.com/office/drawing/2010/main">
-                    <a:noFill/>
-                  </a14:hiddenFill>
-                </a:ext>
-              </a:extLst>
-            </p:spPr>
-            <p:txBody>
-              <a:bodyPr wrap="none" anchor="ctr"/>
-              <a:lstStyle/>
-              <a:p>
-                <a:endParaRPr lang="en-US"/>
-              </a:p>
-            </p:txBody>
-          </p:sp>
-        </p:grpSp>
-        <p:sp>
-          <p:nvSpPr>
-            <p:cNvPr id="20" name="Line 70"/>
-            <p:cNvSpPr>
-              <a:spLocks noChangeShapeType="1"/>
-            </p:cNvSpPr>
-            <p:nvPr/>
-          </p:nvSpPr>
-          <p:spPr bwMode="auto">
-            <a:xfrm>
-              <a:off x="4922038" y="2907736"/>
-              <a:ext cx="0" cy="331085"/>
-            </a:xfrm>
-            <a:prstGeom prst="line">
-              <a:avLst/>
-            </a:prstGeom>
-            <a:noFill/>
-            <a:ln w="15875">
-              <a:solidFill>
-                <a:schemeClr val="tx1"/>
-              </a:solidFill>
-              <a:round/>
-              <a:headEnd/>
-              <a:tailEnd/>
-            </a:ln>
-            <a:extLst>
-              <a:ext uri="{909E8E84-426E-40DD-AFC4-6F175D3DCCD1}">
-                <a14:hiddenFill xmlns:a14="http://schemas.microsoft.com/office/drawing/2010/main">
-                  <a:noFill/>
-                </a14:hiddenFill>
-              </a:ext>
-            </a:extLst>
-          </p:spPr>
-          <p:txBody>
-            <a:bodyPr wrap="none" anchor="ctr"/>
-            <a:lstStyle/>
-            <a:p>
-              <a:endParaRPr lang="en-US"/>
-            </a:p>
-          </p:txBody>
-        </p:sp>
-      </p:grpSp>
-      <p:grpSp>
-        <p:nvGrpSpPr>
-          <p:cNvPr id="21" name="Group 76"/>
-          <p:cNvGrpSpPr>
-            <a:grpSpLocks/>
-          </p:cNvGrpSpPr>
-          <p:nvPr/>
-        </p:nvGrpSpPr>
-        <p:grpSpPr bwMode="auto">
-          <a:xfrm rot="16200000">
-            <a:off x="5457588" y="2049483"/>
-            <a:ext cx="934573" cy="333482"/>
-            <a:chOff x="2160" y="575"/>
-            <a:chExt cx="440" cy="145"/>
-          </a:xfrm>
-        </p:grpSpPr>
-        <p:sp>
-          <p:nvSpPr>
-            <p:cNvPr id="35" name="AutoShape 72"/>
-            <p:cNvSpPr>
-              <a:spLocks noChangeArrowheads="1"/>
-            </p:cNvSpPr>
-            <p:nvPr/>
-          </p:nvSpPr>
-          <p:spPr bwMode="auto">
-            <a:xfrm rot="5400000">
-              <a:off x="2303" y="575"/>
-              <a:ext cx="144" cy="144"/>
-            </a:xfrm>
-            <a:prstGeom prst="triangle">
-              <a:avLst>
-                <a:gd name="adj" fmla="val 50000"/>
-              </a:avLst>
-            </a:prstGeom>
-            <a:solidFill>
-              <a:schemeClr val="bg1"/>
-            </a:solidFill>
-            <a:ln w="15875">
-              <a:solidFill>
-                <a:schemeClr val="tx1"/>
-              </a:solidFill>
-              <a:miter lim="800000"/>
-              <a:headEnd/>
-              <a:tailEnd/>
-            </a:ln>
-          </p:spPr>
-          <p:txBody>
-            <a:bodyPr wrap="none" anchor="ctr"/>
-            <a:lstStyle>
-              <a:lvl1pPr>
-                <a:spcBef>
-                  <a:spcPct val="20000"/>
-                </a:spcBef>
-                <a:buFont typeface="Arial" panose="020B0604020202020204" pitchFamily="34" charset="0"/>
-                <a:buChar char="•"/>
-                <a:defRPr sz="3200">
-                  <a:solidFill>
-                    <a:schemeClr val="tx1"/>
-                  </a:solidFill>
-                  <a:latin typeface="Calibri" panose="020F0502020204030204" pitchFamily="34" charset="0"/>
-                </a:defRPr>
-              </a:lvl1pPr>
-              <a:lvl2pPr marL="742950" indent="-285750">
-                <a:spcBef>
-                  <a:spcPct val="20000"/>
-                </a:spcBef>
-                <a:buFont typeface="Arial" panose="020B0604020202020204" pitchFamily="34" charset="0"/>
-                <a:buChar char="–"/>
-                <a:defRPr sz="2800">
-                  <a:solidFill>
-                    <a:schemeClr val="tx1"/>
-                  </a:solidFill>
-                  <a:latin typeface="Calibri" panose="020F0502020204030204" pitchFamily="34" charset="0"/>
-                </a:defRPr>
-              </a:lvl2pPr>
-              <a:lvl3pPr marL="1143000" indent="-228600">
-                <a:spcBef>
-                  <a:spcPct val="20000"/>
-                </a:spcBef>
-                <a:buFont typeface="Arial" panose="020B0604020202020204" pitchFamily="34" charset="0"/>
-                <a:buChar char="•"/>
-                <a:defRPr sz="2400">
-                  <a:solidFill>
-                    <a:schemeClr val="tx1"/>
-                  </a:solidFill>
-                  <a:latin typeface="Calibri" panose="020F0502020204030204" pitchFamily="34" charset="0"/>
-                </a:defRPr>
-              </a:lvl3pPr>
-              <a:lvl4pPr marL="1600200" indent="-228600">
-                <a:spcBef>
-                  <a:spcPct val="20000"/>
-                </a:spcBef>
-                <a:buFont typeface="Arial" panose="020B0604020202020204" pitchFamily="34" charset="0"/>
-                <a:buChar char="–"/>
-                <a:defRPr sz="2000">
-                  <a:solidFill>
-                    <a:schemeClr val="tx1"/>
-                  </a:solidFill>
-                  <a:latin typeface="Calibri" panose="020F0502020204030204" pitchFamily="34" charset="0"/>
-                </a:defRPr>
-              </a:lvl4pPr>
-              <a:lvl5pPr marL="2057400" indent="-228600">
-                <a:spcBef>
-                  <a:spcPct val="20000"/>
-                </a:spcBef>
-                <a:buFont typeface="Arial" panose="020B0604020202020204" pitchFamily="34" charset="0"/>
-                <a:buChar char="»"/>
-                <a:defRPr sz="2000">
-                  <a:solidFill>
-                    <a:schemeClr val="tx1"/>
-                  </a:solidFill>
-                  <a:latin typeface="Calibri" panose="020F0502020204030204" pitchFamily="34" charset="0"/>
-                </a:defRPr>
-              </a:lvl5pPr>
-              <a:lvl6pPr marL="2514600" indent="-228600" eaLnBrk="0" fontAlgn="base" hangingPunct="0">
-                <a:spcBef>
-                  <a:spcPct val="20000"/>
-                </a:spcBef>
-                <a:spcAft>
-                  <a:spcPct val="0"/>
-                </a:spcAft>
-                <a:buFont typeface="Arial" panose="020B0604020202020204" pitchFamily="34" charset="0"/>
-                <a:buChar char="»"/>
-                <a:defRPr sz="2000">
-                  <a:solidFill>
-                    <a:schemeClr val="tx1"/>
-                  </a:solidFill>
-                  <a:latin typeface="Calibri" panose="020F0502020204030204" pitchFamily="34" charset="0"/>
-                </a:defRPr>
-              </a:lvl6pPr>
-              <a:lvl7pPr marL="2971800" indent="-228600" eaLnBrk="0" fontAlgn="base" hangingPunct="0">
-                <a:spcBef>
-                  <a:spcPct val="20000"/>
-                </a:spcBef>
-                <a:spcAft>
-                  <a:spcPct val="0"/>
-                </a:spcAft>
-                <a:buFont typeface="Arial" panose="020B0604020202020204" pitchFamily="34" charset="0"/>
-                <a:buChar char="»"/>
-                <a:defRPr sz="2000">
-                  <a:solidFill>
-                    <a:schemeClr val="tx1"/>
-                  </a:solidFill>
-                  <a:latin typeface="Calibri" panose="020F0502020204030204" pitchFamily="34" charset="0"/>
-                </a:defRPr>
-              </a:lvl7pPr>
-              <a:lvl8pPr marL="3429000" indent="-228600" eaLnBrk="0" fontAlgn="base" hangingPunct="0">
-                <a:spcBef>
-                  <a:spcPct val="20000"/>
-                </a:spcBef>
-                <a:spcAft>
-                  <a:spcPct val="0"/>
-                </a:spcAft>
-                <a:buFont typeface="Arial" panose="020B0604020202020204" pitchFamily="34" charset="0"/>
-                <a:buChar char="»"/>
-                <a:defRPr sz="2000">
-                  <a:solidFill>
-                    <a:schemeClr val="tx1"/>
-                  </a:solidFill>
-                  <a:latin typeface="Calibri" panose="020F0502020204030204" pitchFamily="34" charset="0"/>
-                </a:defRPr>
-              </a:lvl8pPr>
-              <a:lvl9pPr marL="3886200" indent="-228600" eaLnBrk="0" fontAlgn="base" hangingPunct="0">
-                <a:spcBef>
-                  <a:spcPct val="20000"/>
-                </a:spcBef>
-                <a:spcAft>
-                  <a:spcPct val="0"/>
-                </a:spcAft>
-                <a:buFont typeface="Arial" panose="020B0604020202020204" pitchFamily="34" charset="0"/>
-                <a:buChar char="»"/>
-                <a:defRPr sz="2000">
-                  <a:solidFill>
-                    <a:schemeClr val="tx1"/>
-                  </a:solidFill>
-                  <a:latin typeface="Calibri" panose="020F0502020204030204" pitchFamily="34" charset="0"/>
-                </a:defRPr>
-              </a:lvl9pPr>
-            </a:lstStyle>
-            <a:p>
-              <a:pPr>
-                <a:spcBef>
-                  <a:spcPct val="0"/>
-                </a:spcBef>
-                <a:buFontTx/>
-                <a:buNone/>
-              </a:pPr>
-              <a:endParaRPr lang="en-US" altLang="en-US" sz="1600">
-                <a:latin typeface="Times" panose="02020603050405020304" pitchFamily="18" charset="0"/>
-              </a:endParaRPr>
-            </a:p>
-          </p:txBody>
-        </p:sp>
-        <p:sp>
-          <p:nvSpPr>
-            <p:cNvPr id="36" name="Line 73"/>
-            <p:cNvSpPr>
-              <a:spLocks noChangeShapeType="1"/>
-            </p:cNvSpPr>
-            <p:nvPr/>
-          </p:nvSpPr>
-          <p:spPr bwMode="auto">
-            <a:xfrm>
-              <a:off x="2448" y="576"/>
-              <a:ext cx="0" cy="144"/>
-            </a:xfrm>
-            <a:prstGeom prst="line">
-              <a:avLst/>
-            </a:prstGeom>
-            <a:noFill/>
-            <a:ln w="15875">
-              <a:solidFill>
-                <a:schemeClr val="tx1"/>
-              </a:solidFill>
-              <a:round/>
-              <a:headEnd/>
-              <a:tailEnd/>
-            </a:ln>
-            <a:extLst>
-              <a:ext uri="{909E8E84-426E-40DD-AFC4-6F175D3DCCD1}">
-                <a14:hiddenFill xmlns:a14="http://schemas.microsoft.com/office/drawing/2010/main">
-                  <a:noFill/>
-                </a14:hiddenFill>
-              </a:ext>
-            </a:extLst>
-          </p:spPr>
-          <p:txBody>
-            <a:bodyPr wrap="none" anchor="ctr"/>
-            <a:lstStyle/>
-            <a:p>
-              <a:endParaRPr lang="en-US"/>
-            </a:p>
-          </p:txBody>
-        </p:sp>
-        <p:sp>
-          <p:nvSpPr>
-            <p:cNvPr id="37" name="Line 74"/>
-            <p:cNvSpPr>
-              <a:spLocks noChangeShapeType="1"/>
-            </p:cNvSpPr>
-            <p:nvPr/>
-          </p:nvSpPr>
-          <p:spPr bwMode="auto">
-            <a:xfrm>
-              <a:off x="2160" y="644"/>
-              <a:ext cx="144" cy="0"/>
-            </a:xfrm>
-            <a:prstGeom prst="line">
-              <a:avLst/>
-            </a:prstGeom>
-            <a:noFill/>
-            <a:ln w="15875">
-              <a:solidFill>
-                <a:schemeClr val="tx1"/>
-              </a:solidFill>
-              <a:round/>
-              <a:headEnd/>
-              <a:tailEnd/>
-            </a:ln>
-            <a:extLst>
-              <a:ext uri="{909E8E84-426E-40DD-AFC4-6F175D3DCCD1}">
-                <a14:hiddenFill xmlns:a14="http://schemas.microsoft.com/office/drawing/2010/main">
-                  <a:noFill/>
-                </a14:hiddenFill>
-              </a:ext>
-            </a:extLst>
-          </p:spPr>
-          <p:txBody>
-            <a:bodyPr wrap="none" anchor="ctr"/>
-            <a:lstStyle/>
-            <a:p>
-              <a:endParaRPr lang="en-US"/>
-            </a:p>
-          </p:txBody>
-        </p:sp>
-        <p:sp>
-          <p:nvSpPr>
-            <p:cNvPr id="38" name="Line 75"/>
-            <p:cNvSpPr>
-              <a:spLocks noChangeShapeType="1"/>
-            </p:cNvSpPr>
-            <p:nvPr/>
-          </p:nvSpPr>
-          <p:spPr bwMode="auto">
-            <a:xfrm>
-              <a:off x="2456" y="644"/>
-              <a:ext cx="144" cy="0"/>
-            </a:xfrm>
-            <a:prstGeom prst="line">
-              <a:avLst/>
-            </a:prstGeom>
-            <a:noFill/>
-            <a:ln w="15875">
-              <a:solidFill>
-                <a:schemeClr val="tx1"/>
-              </a:solidFill>
-              <a:round/>
-              <a:headEnd/>
-              <a:tailEnd/>
-            </a:ln>
-            <a:extLst>
-              <a:ext uri="{909E8E84-426E-40DD-AFC4-6F175D3DCCD1}">
-                <a14:hiddenFill xmlns:a14="http://schemas.microsoft.com/office/drawing/2010/main">
-                  <a:noFill/>
-                </a14:hiddenFill>
-              </a:ext>
-            </a:extLst>
-          </p:spPr>
-          <p:txBody>
-            <a:bodyPr wrap="none" anchor="ctr"/>
-            <a:lstStyle/>
-            <a:p>
-              <a:endParaRPr lang="en-US"/>
-            </a:p>
-          </p:txBody>
-        </p:sp>
-      </p:grpSp>
-      <p:grpSp>
-        <p:nvGrpSpPr>
-          <p:cNvPr id="22" name="Group 87"/>
-          <p:cNvGrpSpPr>
-            <a:grpSpLocks/>
-          </p:cNvGrpSpPr>
-          <p:nvPr/>
-        </p:nvGrpSpPr>
-        <p:grpSpPr bwMode="auto">
-          <a:xfrm>
-            <a:off x="5719757" y="2690789"/>
-            <a:ext cx="407934" cy="229921"/>
-            <a:chOff x="1344" y="1680"/>
-            <a:chExt cx="192" cy="100"/>
-          </a:xfrm>
-        </p:grpSpPr>
-        <p:sp>
-          <p:nvSpPr>
-            <p:cNvPr id="32" name="Line 88"/>
-            <p:cNvSpPr>
-              <a:spLocks noChangeShapeType="1"/>
-            </p:cNvSpPr>
-            <p:nvPr/>
-          </p:nvSpPr>
-          <p:spPr bwMode="auto">
-            <a:xfrm>
-              <a:off x="1344" y="1680"/>
-              <a:ext cx="192" cy="0"/>
-            </a:xfrm>
-            <a:prstGeom prst="line">
-              <a:avLst/>
-            </a:prstGeom>
-            <a:noFill/>
-            <a:ln w="15875">
-              <a:solidFill>
-                <a:schemeClr val="tx1"/>
-              </a:solidFill>
-              <a:round/>
-              <a:headEnd/>
-              <a:tailEnd/>
-            </a:ln>
-            <a:extLst>
-              <a:ext uri="{909E8E84-426E-40DD-AFC4-6F175D3DCCD1}">
-                <a14:hiddenFill xmlns:a14="http://schemas.microsoft.com/office/drawing/2010/main">
-                  <a:noFill/>
-                </a14:hiddenFill>
-              </a:ext>
-            </a:extLst>
-          </p:spPr>
-          <p:txBody>
-            <a:bodyPr wrap="none" anchor="ctr"/>
-            <a:lstStyle/>
-            <a:p>
-              <a:endParaRPr lang="en-US"/>
-            </a:p>
-          </p:txBody>
-        </p:sp>
-        <p:sp>
-          <p:nvSpPr>
-            <p:cNvPr id="33" name="Line 89"/>
-            <p:cNvSpPr>
-              <a:spLocks noChangeShapeType="1"/>
-            </p:cNvSpPr>
-            <p:nvPr/>
-          </p:nvSpPr>
-          <p:spPr bwMode="auto">
-            <a:xfrm>
-              <a:off x="1388" y="1732"/>
-              <a:ext cx="96" cy="0"/>
-            </a:xfrm>
-            <a:prstGeom prst="line">
-              <a:avLst/>
-            </a:prstGeom>
-            <a:noFill/>
-            <a:ln w="15875">
-              <a:solidFill>
-                <a:schemeClr val="tx1"/>
-              </a:solidFill>
-              <a:round/>
-              <a:headEnd/>
-              <a:tailEnd/>
-            </a:ln>
-            <a:extLst>
-              <a:ext uri="{909E8E84-426E-40DD-AFC4-6F175D3DCCD1}">
-                <a14:hiddenFill xmlns:a14="http://schemas.microsoft.com/office/drawing/2010/main">
-                  <a:noFill/>
-                </a14:hiddenFill>
-              </a:ext>
-            </a:extLst>
-          </p:spPr>
-          <p:txBody>
-            <a:bodyPr wrap="none" anchor="ctr"/>
-            <a:lstStyle/>
-            <a:p>
-              <a:endParaRPr lang="en-US"/>
-            </a:p>
-          </p:txBody>
-        </p:sp>
-        <p:sp>
-          <p:nvSpPr>
-            <p:cNvPr id="34" name="Line 90"/>
-            <p:cNvSpPr>
-              <a:spLocks noChangeShapeType="1"/>
-            </p:cNvSpPr>
-            <p:nvPr/>
-          </p:nvSpPr>
-          <p:spPr bwMode="auto">
-            <a:xfrm>
-              <a:off x="1416" y="1780"/>
-              <a:ext cx="36" cy="0"/>
-            </a:xfrm>
-            <a:prstGeom prst="line">
-              <a:avLst/>
-            </a:prstGeom>
-            <a:noFill/>
-            <a:ln w="15875">
-              <a:solidFill>
-                <a:schemeClr val="tx1"/>
-              </a:solidFill>
-              <a:round/>
-              <a:headEnd/>
-              <a:tailEnd/>
-            </a:ln>
-            <a:extLst>
-              <a:ext uri="{909E8E84-426E-40DD-AFC4-6F175D3DCCD1}">
-                <a14:hiddenFill xmlns:a14="http://schemas.microsoft.com/office/drawing/2010/main">
-                  <a:noFill/>
-                </a14:hiddenFill>
-              </a:ext>
-            </a:extLst>
-          </p:spPr>
-          <p:txBody>
-            <a:bodyPr wrap="none" anchor="ctr"/>
-            <a:lstStyle/>
-            <a:p>
-              <a:endParaRPr lang="en-US"/>
-            </a:p>
-          </p:txBody>
-        </p:sp>
-      </p:grpSp>
-      <p:sp>
-        <p:nvSpPr>
-          <p:cNvPr id="23" name="Line 105"/>
-          <p:cNvSpPr>
-            <a:spLocks noChangeShapeType="1"/>
-          </p:cNvSpPr>
-          <p:nvPr/>
-        </p:nvSpPr>
-        <p:spPr bwMode="auto">
-          <a:xfrm>
-            <a:off x="4929279" y="1739741"/>
-            <a:ext cx="1529751" cy="0"/>
-          </a:xfrm>
-          <a:prstGeom prst="line">
-            <a:avLst/>
-          </a:prstGeom>
-          <a:noFill/>
-          <a:ln w="15875">
-            <a:solidFill>
-              <a:schemeClr val="tx1"/>
-            </a:solidFill>
-            <a:round/>
-            <a:headEnd/>
-            <a:tailEnd/>
-          </a:ln>
-          <a:extLst>
-            <a:ext uri="{909E8E84-426E-40DD-AFC4-6F175D3DCCD1}">
-              <a14:hiddenFill xmlns:a14="http://schemas.microsoft.com/office/drawing/2010/main">
-                <a:noFill/>
-              </a14:hiddenFill>
-            </a:ext>
-          </a:extLst>
-        </p:spPr>
-        <p:txBody>
-          <a:bodyPr wrap="none" anchor="ctr"/>
-          <a:lstStyle/>
-          <a:p>
-            <a:endParaRPr lang="en-US"/>
-          </a:p>
-        </p:txBody>
-      </p:sp>
-      <p:sp>
-        <p:nvSpPr>
-          <p:cNvPr id="24" name="Oval 106"/>
-          <p:cNvSpPr>
-            <a:spLocks noChangeArrowheads="1"/>
-          </p:cNvSpPr>
-          <p:nvPr/>
-        </p:nvSpPr>
-        <p:spPr bwMode="auto">
-          <a:xfrm>
-            <a:off x="6440348" y="1684560"/>
-            <a:ext cx="101984" cy="110362"/>
-          </a:xfrm>
-          <a:prstGeom prst="ellipse">
-            <a:avLst/>
-          </a:prstGeom>
-          <a:noFill/>
-          <a:ln w="9525">
-            <a:solidFill>
-              <a:schemeClr val="tx1"/>
-            </a:solidFill>
-            <a:round/>
-            <a:headEnd/>
-            <a:tailEnd/>
-          </a:ln>
-          <a:extLst>
-            <a:ext uri="{909E8E84-426E-40DD-AFC4-6F175D3DCCD1}">
-              <a14:hiddenFill xmlns:a14="http://schemas.microsoft.com/office/drawing/2010/main">
-                <a:solidFill>
-                  <a:srgbClr val="FFFFFF"/>
-                </a:solidFill>
-              </a14:hiddenFill>
-            </a:ext>
-          </a:extLst>
-        </p:spPr>
-        <p:txBody>
-          <a:bodyPr wrap="none" anchor="ctr"/>
-          <a:lstStyle>
-            <a:lvl1pPr>
-              <a:spcBef>
-                <a:spcPct val="20000"/>
-              </a:spcBef>
-              <a:buFont typeface="Arial" panose="020B0604020202020204" pitchFamily="34" charset="0"/>
-              <a:buChar char="•"/>
-              <a:defRPr sz="3200">
-                <a:solidFill>
-                  <a:schemeClr val="tx1"/>
-                </a:solidFill>
-                <a:latin typeface="Calibri" panose="020F0502020204030204" pitchFamily="34" charset="0"/>
-              </a:defRPr>
-            </a:lvl1pPr>
-            <a:lvl2pPr marL="742950" indent="-285750">
-              <a:spcBef>
-                <a:spcPct val="20000"/>
-              </a:spcBef>
-              <a:buFont typeface="Arial" panose="020B0604020202020204" pitchFamily="34" charset="0"/>
-              <a:buChar char="–"/>
-              <a:defRPr sz="2800">
-                <a:solidFill>
-                  <a:schemeClr val="tx1"/>
-                </a:solidFill>
-                <a:latin typeface="Calibri" panose="020F0502020204030204" pitchFamily="34" charset="0"/>
-              </a:defRPr>
-            </a:lvl2pPr>
-            <a:lvl3pPr marL="1143000" indent="-228600">
-              <a:spcBef>
-                <a:spcPct val="20000"/>
-              </a:spcBef>
-              <a:buFont typeface="Arial" panose="020B0604020202020204" pitchFamily="34" charset="0"/>
-              <a:buChar char="•"/>
-              <a:defRPr sz="2400">
-                <a:solidFill>
-                  <a:schemeClr val="tx1"/>
-                </a:solidFill>
-                <a:latin typeface="Calibri" panose="020F0502020204030204" pitchFamily="34" charset="0"/>
-              </a:defRPr>
-            </a:lvl3pPr>
-            <a:lvl4pPr marL="1600200" indent="-228600">
-              <a:spcBef>
-                <a:spcPct val="20000"/>
-              </a:spcBef>
-              <a:buFont typeface="Arial" panose="020B0604020202020204" pitchFamily="34" charset="0"/>
-              <a:buChar char="–"/>
-              <a:defRPr sz="2000">
-                <a:solidFill>
-                  <a:schemeClr val="tx1"/>
-                </a:solidFill>
-                <a:latin typeface="Calibri" panose="020F0502020204030204" pitchFamily="34" charset="0"/>
-              </a:defRPr>
-            </a:lvl4pPr>
-            <a:lvl5pPr marL="2057400" indent="-228600">
-              <a:spcBef>
-                <a:spcPct val="20000"/>
-              </a:spcBef>
-              <a:buFont typeface="Arial" panose="020B0604020202020204" pitchFamily="34" charset="0"/>
-              <a:buChar char="»"/>
-              <a:defRPr sz="2000">
-                <a:solidFill>
-                  <a:schemeClr val="tx1"/>
-                </a:solidFill>
-                <a:latin typeface="Calibri" panose="020F0502020204030204" pitchFamily="34" charset="0"/>
-              </a:defRPr>
-            </a:lvl5pPr>
-            <a:lvl6pPr marL="2514600" indent="-228600" eaLnBrk="0" fontAlgn="base" hangingPunct="0">
-              <a:spcBef>
-                <a:spcPct val="20000"/>
-              </a:spcBef>
-              <a:spcAft>
-                <a:spcPct val="0"/>
-              </a:spcAft>
-              <a:buFont typeface="Arial" panose="020B0604020202020204" pitchFamily="34" charset="0"/>
-              <a:buChar char="»"/>
-              <a:defRPr sz="2000">
-                <a:solidFill>
-                  <a:schemeClr val="tx1"/>
-                </a:solidFill>
-                <a:latin typeface="Calibri" panose="020F0502020204030204" pitchFamily="34" charset="0"/>
-              </a:defRPr>
-            </a:lvl6pPr>
-            <a:lvl7pPr marL="2971800" indent="-228600" eaLnBrk="0" fontAlgn="base" hangingPunct="0">
-              <a:spcBef>
-                <a:spcPct val="20000"/>
-              </a:spcBef>
-              <a:spcAft>
-                <a:spcPct val="0"/>
-              </a:spcAft>
-              <a:buFont typeface="Arial" panose="020B0604020202020204" pitchFamily="34" charset="0"/>
-              <a:buChar char="»"/>
-              <a:defRPr sz="2000">
-                <a:solidFill>
-                  <a:schemeClr val="tx1"/>
-                </a:solidFill>
-                <a:latin typeface="Calibri" panose="020F0502020204030204" pitchFamily="34" charset="0"/>
-              </a:defRPr>
-            </a:lvl7pPr>
-            <a:lvl8pPr marL="3429000" indent="-228600" eaLnBrk="0" fontAlgn="base" hangingPunct="0">
-              <a:spcBef>
-                <a:spcPct val="20000"/>
-              </a:spcBef>
-              <a:spcAft>
-                <a:spcPct val="0"/>
-              </a:spcAft>
-              <a:buFont typeface="Arial" panose="020B0604020202020204" pitchFamily="34" charset="0"/>
-              <a:buChar char="»"/>
-              <a:defRPr sz="2000">
-                <a:solidFill>
-                  <a:schemeClr val="tx1"/>
-                </a:solidFill>
-                <a:latin typeface="Calibri" panose="020F0502020204030204" pitchFamily="34" charset="0"/>
-              </a:defRPr>
-            </a:lvl8pPr>
-            <a:lvl9pPr marL="3886200" indent="-228600" eaLnBrk="0" fontAlgn="base" hangingPunct="0">
-              <a:spcBef>
-                <a:spcPct val="20000"/>
-              </a:spcBef>
-              <a:spcAft>
-                <a:spcPct val="0"/>
-              </a:spcAft>
-              <a:buFont typeface="Arial" panose="020B0604020202020204" pitchFamily="34" charset="0"/>
-              <a:buChar char="»"/>
-              <a:defRPr sz="2000">
-                <a:solidFill>
-                  <a:schemeClr val="tx1"/>
-                </a:solidFill>
-                <a:latin typeface="Calibri" panose="020F0502020204030204" pitchFamily="34" charset="0"/>
-              </a:defRPr>
-            </a:lvl9pPr>
-          </a:lstStyle>
-          <a:p>
-            <a:pPr>
-              <a:spcBef>
-                <a:spcPct val="0"/>
-              </a:spcBef>
-              <a:buFontTx/>
-              <a:buNone/>
-            </a:pPr>
-            <a:endParaRPr lang="en-US" altLang="en-US" sz="1600">
-              <a:latin typeface="Times" panose="02020603050405020304" pitchFamily="18" charset="0"/>
-            </a:endParaRPr>
-          </a:p>
-        </p:txBody>
-      </p:sp>
-      <p:sp>
-        <p:nvSpPr>
-          <p:cNvPr id="25" name="Text Box 108"/>
-          <p:cNvSpPr txBox="1">
-            <a:spLocks noChangeArrowheads="1"/>
-          </p:cNvSpPr>
-          <p:nvPr/>
-        </p:nvSpPr>
-        <p:spPr bwMode="auto">
-          <a:xfrm>
-            <a:off x="5988236" y="1190160"/>
-            <a:ext cx="599889" cy="461564"/>
-          </a:xfrm>
-          <a:prstGeom prst="rect">
-            <a:avLst/>
-          </a:prstGeom>
-          <a:noFill/>
-          <a:ln>
-            <a:noFill/>
-          </a:ln>
-          <a:extLst>
-            <a:ext uri="{909E8E84-426E-40DD-AFC4-6F175D3DCCD1}">
-              <a14:hiddenFill xmlns:a14="http://schemas.microsoft.com/office/drawing/2010/main">
-                <a:solidFill>
-                  <a:srgbClr val="FFFFFF"/>
-                </a:solidFill>
-              </a14:hiddenFill>
-            </a:ext>
-            <a:ext uri="{91240B29-F687-4F45-9708-019B960494DF}">
-              <a14:hiddenLine xmlns:a14="http://schemas.microsoft.com/office/drawing/2010/main" w="9525">
-                <a:solidFill>
-                  <a:srgbClr val="000000"/>
-                </a:solidFill>
-                <a:miter lim="800000"/>
-                <a:headEnd/>
-                <a:tailEnd/>
-              </a14:hiddenLine>
-            </a:ext>
-          </a:extLst>
-        </p:spPr>
-        <p:txBody>
-          <a:bodyPr wrap="none">
-            <a:spAutoFit/>
-          </a:bodyPr>
-          <a:lstStyle>
-            <a:lvl1pPr>
-              <a:spcBef>
-                <a:spcPct val="20000"/>
-              </a:spcBef>
-              <a:buFont typeface="Arial" panose="020B0604020202020204" pitchFamily="34" charset="0"/>
-              <a:buChar char="•"/>
-              <a:defRPr sz="3200">
-                <a:solidFill>
-                  <a:schemeClr val="tx1"/>
-                </a:solidFill>
-                <a:latin typeface="Calibri" panose="020F0502020204030204" pitchFamily="34" charset="0"/>
-              </a:defRPr>
-            </a:lvl1pPr>
-            <a:lvl2pPr marL="742950" indent="-285750">
-              <a:spcBef>
-                <a:spcPct val="20000"/>
-              </a:spcBef>
-              <a:buFont typeface="Arial" panose="020B0604020202020204" pitchFamily="34" charset="0"/>
-              <a:buChar char="–"/>
-              <a:defRPr sz="2800">
-                <a:solidFill>
-                  <a:schemeClr val="tx1"/>
-                </a:solidFill>
-                <a:latin typeface="Calibri" panose="020F0502020204030204" pitchFamily="34" charset="0"/>
-              </a:defRPr>
-            </a:lvl2pPr>
-            <a:lvl3pPr marL="1143000" indent="-228600">
-              <a:spcBef>
-                <a:spcPct val="20000"/>
-              </a:spcBef>
-              <a:buFont typeface="Arial" panose="020B0604020202020204" pitchFamily="34" charset="0"/>
-              <a:buChar char="•"/>
-              <a:defRPr sz="2400">
-                <a:solidFill>
-                  <a:schemeClr val="tx1"/>
-                </a:solidFill>
-                <a:latin typeface="Calibri" panose="020F0502020204030204" pitchFamily="34" charset="0"/>
-              </a:defRPr>
-            </a:lvl3pPr>
-            <a:lvl4pPr marL="1600200" indent="-228600">
-              <a:spcBef>
-                <a:spcPct val="20000"/>
-              </a:spcBef>
-              <a:buFont typeface="Arial" panose="020B0604020202020204" pitchFamily="34" charset="0"/>
-              <a:buChar char="–"/>
-              <a:defRPr sz="2000">
-                <a:solidFill>
-                  <a:schemeClr val="tx1"/>
-                </a:solidFill>
-                <a:latin typeface="Calibri" panose="020F0502020204030204" pitchFamily="34" charset="0"/>
-              </a:defRPr>
-            </a:lvl4pPr>
-            <a:lvl5pPr marL="2057400" indent="-228600">
-              <a:spcBef>
-                <a:spcPct val="20000"/>
-              </a:spcBef>
-              <a:buFont typeface="Arial" panose="020B0604020202020204" pitchFamily="34" charset="0"/>
-              <a:buChar char="»"/>
-              <a:defRPr sz="2000">
-                <a:solidFill>
-                  <a:schemeClr val="tx1"/>
-                </a:solidFill>
-                <a:latin typeface="Calibri" panose="020F0502020204030204" pitchFamily="34" charset="0"/>
-              </a:defRPr>
-            </a:lvl5pPr>
-            <a:lvl6pPr marL="2514600" indent="-228600" eaLnBrk="0" fontAlgn="base" hangingPunct="0">
-              <a:spcBef>
-                <a:spcPct val="20000"/>
-              </a:spcBef>
-              <a:spcAft>
-                <a:spcPct val="0"/>
-              </a:spcAft>
-              <a:buFont typeface="Arial" panose="020B0604020202020204" pitchFamily="34" charset="0"/>
-              <a:buChar char="»"/>
-              <a:defRPr sz="2000">
-                <a:solidFill>
-                  <a:schemeClr val="tx1"/>
-                </a:solidFill>
-                <a:latin typeface="Calibri" panose="020F0502020204030204" pitchFamily="34" charset="0"/>
-              </a:defRPr>
-            </a:lvl6pPr>
-            <a:lvl7pPr marL="2971800" indent="-228600" eaLnBrk="0" fontAlgn="base" hangingPunct="0">
-              <a:spcBef>
-                <a:spcPct val="20000"/>
-              </a:spcBef>
-              <a:spcAft>
-                <a:spcPct val="0"/>
-              </a:spcAft>
-              <a:buFont typeface="Arial" panose="020B0604020202020204" pitchFamily="34" charset="0"/>
-              <a:buChar char="»"/>
-              <a:defRPr sz="2000">
-                <a:solidFill>
-                  <a:schemeClr val="tx1"/>
-                </a:solidFill>
-                <a:latin typeface="Calibri" panose="020F0502020204030204" pitchFamily="34" charset="0"/>
-              </a:defRPr>
-            </a:lvl7pPr>
-            <a:lvl8pPr marL="3429000" indent="-228600" eaLnBrk="0" fontAlgn="base" hangingPunct="0">
-              <a:spcBef>
-                <a:spcPct val="20000"/>
-              </a:spcBef>
-              <a:spcAft>
-                <a:spcPct val="0"/>
-              </a:spcAft>
-              <a:buFont typeface="Arial" panose="020B0604020202020204" pitchFamily="34" charset="0"/>
-              <a:buChar char="»"/>
-              <a:defRPr sz="2000">
-                <a:solidFill>
-                  <a:schemeClr val="tx1"/>
-                </a:solidFill>
-                <a:latin typeface="Calibri" panose="020F0502020204030204" pitchFamily="34" charset="0"/>
-              </a:defRPr>
-            </a:lvl8pPr>
-            <a:lvl9pPr marL="3886200" indent="-228600" eaLnBrk="0" fontAlgn="base" hangingPunct="0">
-              <a:spcBef>
-                <a:spcPct val="20000"/>
-              </a:spcBef>
-              <a:spcAft>
-                <a:spcPct val="0"/>
-              </a:spcAft>
-              <a:buFont typeface="Arial" panose="020B0604020202020204" pitchFamily="34" charset="0"/>
-              <a:buChar char="»"/>
-              <a:defRPr sz="2000">
-                <a:solidFill>
-                  <a:schemeClr val="tx1"/>
-                </a:solidFill>
-                <a:latin typeface="Calibri" panose="020F0502020204030204" pitchFamily="34" charset="0"/>
-              </a:defRPr>
-            </a:lvl9pPr>
-          </a:lstStyle>
-          <a:p>
-            <a:pPr>
-              <a:spcBef>
-                <a:spcPct val="0"/>
-              </a:spcBef>
-              <a:buFontTx/>
-              <a:buNone/>
-            </a:pPr>
-            <a:r>
-              <a:rPr lang="en-US" altLang="en-US" sz="2400">
-                <a:latin typeface="Times" panose="02020603050405020304" pitchFamily="18" charset="0"/>
-              </a:rPr>
-              <a:t>v</a:t>
-            </a:r>
-            <a:r>
-              <a:rPr lang="en-US" altLang="en-US" sz="2400" baseline="-25000">
-                <a:latin typeface="Times" panose="02020603050405020304" pitchFamily="18" charset="0"/>
-              </a:rPr>
-              <a:t>DS</a:t>
-            </a:r>
-            <a:endParaRPr lang="en-US" altLang="en-US" sz="2400">
-              <a:latin typeface="Times" panose="02020603050405020304" pitchFamily="18" charset="0"/>
-            </a:endParaRPr>
-          </a:p>
-        </p:txBody>
-      </p:sp>
-      <p:sp>
-        <p:nvSpPr>
-          <p:cNvPr id="26" name="Line 109"/>
-          <p:cNvSpPr>
-            <a:spLocks noChangeShapeType="1"/>
-          </p:cNvSpPr>
-          <p:nvPr/>
-        </p:nvSpPr>
-        <p:spPr bwMode="auto">
-          <a:xfrm>
-            <a:off x="3579256" y="1298295"/>
-            <a:ext cx="917851" cy="0"/>
-          </a:xfrm>
-          <a:prstGeom prst="line">
-            <a:avLst/>
-          </a:prstGeom>
-          <a:noFill/>
-          <a:ln w="15875">
-            <a:solidFill>
-              <a:schemeClr val="tx1"/>
-            </a:solidFill>
-            <a:round/>
-            <a:headEnd/>
-            <a:tailEnd type="triangle" w="med" len="med"/>
-          </a:ln>
-          <a:extLst>
-            <a:ext uri="{909E8E84-426E-40DD-AFC4-6F175D3DCCD1}">
-              <a14:hiddenFill xmlns:a14="http://schemas.microsoft.com/office/drawing/2010/main">
-                <a:noFill/>
-              </a14:hiddenFill>
-            </a:ext>
-          </a:extLst>
-        </p:spPr>
-        <p:txBody>
-          <a:bodyPr wrap="none" anchor="ctr"/>
-          <a:lstStyle/>
-          <a:p>
-            <a:endParaRPr lang="en-US"/>
-          </a:p>
-        </p:txBody>
-      </p:sp>
-      <p:sp>
-        <p:nvSpPr>
-          <p:cNvPr id="27" name="Text Box 111"/>
-          <p:cNvSpPr txBox="1">
-            <a:spLocks noChangeArrowheads="1"/>
-          </p:cNvSpPr>
-          <p:nvPr/>
-        </p:nvSpPr>
-        <p:spPr bwMode="auto">
-          <a:xfrm>
-            <a:off x="2052312" y="1223371"/>
-            <a:ext cx="1024716" cy="400022"/>
-          </a:xfrm>
-          <a:prstGeom prst="rect">
-            <a:avLst/>
-          </a:prstGeom>
-          <a:noFill/>
-          <a:ln>
-            <a:noFill/>
-          </a:ln>
-          <a:extLst>
-            <a:ext uri="{909E8E84-426E-40DD-AFC4-6F175D3DCCD1}">
-              <a14:hiddenFill xmlns:a14="http://schemas.microsoft.com/office/drawing/2010/main">
-                <a:solidFill>
-                  <a:srgbClr val="FFFFFF"/>
-                </a:solidFill>
-              </a14:hiddenFill>
-            </a:ext>
-            <a:ext uri="{91240B29-F687-4F45-9708-019B960494DF}">
-              <a14:hiddenLine xmlns:a14="http://schemas.microsoft.com/office/drawing/2010/main" w="9525">
-                <a:solidFill>
-                  <a:srgbClr val="000000"/>
-                </a:solidFill>
-                <a:miter lim="800000"/>
-                <a:headEnd/>
-                <a:tailEnd/>
-              </a14:hiddenLine>
-            </a:ext>
-          </a:extLst>
-        </p:spPr>
-        <p:txBody>
-          <a:bodyPr wrap="none">
-            <a:spAutoFit/>
-          </a:bodyPr>
-          <a:lstStyle>
-            <a:lvl1pPr>
-              <a:spcBef>
-                <a:spcPct val="20000"/>
-              </a:spcBef>
-              <a:buFont typeface="Arial" panose="020B0604020202020204" pitchFamily="34" charset="0"/>
-              <a:buChar char="•"/>
-              <a:defRPr sz="3200">
-                <a:solidFill>
-                  <a:schemeClr val="tx1"/>
-                </a:solidFill>
-                <a:latin typeface="Calibri" panose="020F0502020204030204" pitchFamily="34" charset="0"/>
-              </a:defRPr>
-            </a:lvl1pPr>
-            <a:lvl2pPr marL="742950" indent="-285750">
-              <a:spcBef>
-                <a:spcPct val="20000"/>
-              </a:spcBef>
-              <a:buFont typeface="Arial" panose="020B0604020202020204" pitchFamily="34" charset="0"/>
-              <a:buChar char="–"/>
-              <a:defRPr sz="2800">
-                <a:solidFill>
-                  <a:schemeClr val="tx1"/>
-                </a:solidFill>
-                <a:latin typeface="Calibri" panose="020F0502020204030204" pitchFamily="34" charset="0"/>
-              </a:defRPr>
-            </a:lvl2pPr>
-            <a:lvl3pPr marL="1143000" indent="-228600">
-              <a:spcBef>
-                <a:spcPct val="20000"/>
-              </a:spcBef>
-              <a:buFont typeface="Arial" panose="020B0604020202020204" pitchFamily="34" charset="0"/>
-              <a:buChar char="•"/>
-              <a:defRPr sz="2400">
-                <a:solidFill>
-                  <a:schemeClr val="tx1"/>
-                </a:solidFill>
-                <a:latin typeface="Calibri" panose="020F0502020204030204" pitchFamily="34" charset="0"/>
-              </a:defRPr>
-            </a:lvl3pPr>
-            <a:lvl4pPr marL="1600200" indent="-228600">
-              <a:spcBef>
-                <a:spcPct val="20000"/>
-              </a:spcBef>
-              <a:buFont typeface="Arial" panose="020B0604020202020204" pitchFamily="34" charset="0"/>
-              <a:buChar char="–"/>
-              <a:defRPr sz="2000">
-                <a:solidFill>
-                  <a:schemeClr val="tx1"/>
-                </a:solidFill>
-                <a:latin typeface="Calibri" panose="020F0502020204030204" pitchFamily="34" charset="0"/>
-              </a:defRPr>
-            </a:lvl4pPr>
-            <a:lvl5pPr marL="2057400" indent="-228600">
-              <a:spcBef>
-                <a:spcPct val="20000"/>
-              </a:spcBef>
-              <a:buFont typeface="Arial" panose="020B0604020202020204" pitchFamily="34" charset="0"/>
-              <a:buChar char="»"/>
-              <a:defRPr sz="2000">
-                <a:solidFill>
-                  <a:schemeClr val="tx1"/>
-                </a:solidFill>
-                <a:latin typeface="Calibri" panose="020F0502020204030204" pitchFamily="34" charset="0"/>
-              </a:defRPr>
-            </a:lvl5pPr>
-            <a:lvl6pPr marL="2514600" indent="-228600" eaLnBrk="0" fontAlgn="base" hangingPunct="0">
-              <a:spcBef>
-                <a:spcPct val="20000"/>
-              </a:spcBef>
-              <a:spcAft>
-                <a:spcPct val="0"/>
-              </a:spcAft>
-              <a:buFont typeface="Arial" panose="020B0604020202020204" pitchFamily="34" charset="0"/>
-              <a:buChar char="»"/>
-              <a:defRPr sz="2000">
-                <a:solidFill>
-                  <a:schemeClr val="tx1"/>
-                </a:solidFill>
-                <a:latin typeface="Calibri" panose="020F0502020204030204" pitchFamily="34" charset="0"/>
-              </a:defRPr>
-            </a:lvl6pPr>
-            <a:lvl7pPr marL="2971800" indent="-228600" eaLnBrk="0" fontAlgn="base" hangingPunct="0">
-              <a:spcBef>
-                <a:spcPct val="20000"/>
-              </a:spcBef>
-              <a:spcAft>
-                <a:spcPct val="0"/>
-              </a:spcAft>
-              <a:buFont typeface="Arial" panose="020B0604020202020204" pitchFamily="34" charset="0"/>
-              <a:buChar char="»"/>
-              <a:defRPr sz="2000">
-                <a:solidFill>
-                  <a:schemeClr val="tx1"/>
-                </a:solidFill>
-                <a:latin typeface="Calibri" panose="020F0502020204030204" pitchFamily="34" charset="0"/>
-              </a:defRPr>
-            </a:lvl7pPr>
-            <a:lvl8pPr marL="3429000" indent="-228600" eaLnBrk="0" fontAlgn="base" hangingPunct="0">
-              <a:spcBef>
-                <a:spcPct val="20000"/>
-              </a:spcBef>
-              <a:spcAft>
-                <a:spcPct val="0"/>
-              </a:spcAft>
-              <a:buFont typeface="Arial" panose="020B0604020202020204" pitchFamily="34" charset="0"/>
-              <a:buChar char="»"/>
-              <a:defRPr sz="2000">
-                <a:solidFill>
-                  <a:schemeClr val="tx1"/>
-                </a:solidFill>
-                <a:latin typeface="Calibri" panose="020F0502020204030204" pitchFamily="34" charset="0"/>
-              </a:defRPr>
-            </a:lvl8pPr>
-            <a:lvl9pPr marL="3886200" indent="-228600" eaLnBrk="0" fontAlgn="base" hangingPunct="0">
-              <a:spcBef>
-                <a:spcPct val="20000"/>
-              </a:spcBef>
-              <a:spcAft>
-                <a:spcPct val="0"/>
-              </a:spcAft>
-              <a:buFont typeface="Arial" panose="020B0604020202020204" pitchFamily="34" charset="0"/>
-              <a:buChar char="»"/>
-              <a:defRPr sz="2000">
-                <a:solidFill>
-                  <a:schemeClr val="tx1"/>
-                </a:solidFill>
-                <a:latin typeface="Calibri" panose="020F0502020204030204" pitchFamily="34" charset="0"/>
-              </a:defRPr>
-            </a:lvl9pPr>
-          </a:lstStyle>
-          <a:p>
-            <a:pPr>
-              <a:spcBef>
-                <a:spcPct val="0"/>
-              </a:spcBef>
-              <a:buFontTx/>
-              <a:buNone/>
-            </a:pPr>
-            <a:r>
-              <a:rPr lang="en-US" altLang="en-US" sz="2000">
-                <a:latin typeface="Times" panose="02020603050405020304" pitchFamily="18" charset="0"/>
-              </a:rPr>
-              <a:t>0.1 ohm</a:t>
-            </a:r>
-          </a:p>
-        </p:txBody>
-      </p:sp>
-      <p:sp>
-        <p:nvSpPr>
-          <p:cNvPr id="28" name="Text Box 112"/>
-          <p:cNvSpPr txBox="1">
-            <a:spLocks noChangeArrowheads="1"/>
-          </p:cNvSpPr>
-          <p:nvPr/>
-        </p:nvSpPr>
-        <p:spPr bwMode="auto">
-          <a:xfrm>
-            <a:off x="4293140" y="2463578"/>
-            <a:ext cx="654393" cy="487431"/>
-          </a:xfrm>
-          <a:prstGeom prst="rect">
-            <a:avLst/>
-          </a:prstGeom>
-          <a:noFill/>
-          <a:ln>
-            <a:noFill/>
-          </a:ln>
-          <a:extLst>
-            <a:ext uri="{909E8E84-426E-40DD-AFC4-6F175D3DCCD1}">
-              <a14:hiddenFill xmlns:a14="http://schemas.microsoft.com/office/drawing/2010/main">
-                <a:solidFill>
-                  <a:srgbClr val="FFFFFF"/>
-                </a:solidFill>
-              </a14:hiddenFill>
-            </a:ext>
-            <a:ext uri="{91240B29-F687-4F45-9708-019B960494DF}">
-              <a14:hiddenLine xmlns:a14="http://schemas.microsoft.com/office/drawing/2010/main" w="9525">
-                <a:solidFill>
-                  <a:srgbClr val="000000"/>
-                </a:solidFill>
-                <a:miter lim="800000"/>
-                <a:headEnd/>
-                <a:tailEnd/>
-              </a14:hiddenLine>
-            </a:ext>
-          </a:extLst>
-        </p:spPr>
-        <p:txBody>
-          <a:bodyPr wrap="none">
-            <a:spAutoFit/>
-          </a:bodyPr>
-          <a:lstStyle>
-            <a:lvl1pPr>
-              <a:spcBef>
-                <a:spcPct val="20000"/>
-              </a:spcBef>
-              <a:buFont typeface="Arial" panose="020B0604020202020204" pitchFamily="34" charset="0"/>
-              <a:buChar char="•"/>
-              <a:defRPr sz="3200">
-                <a:solidFill>
-                  <a:schemeClr val="tx1"/>
-                </a:solidFill>
-                <a:latin typeface="Calibri" panose="020F0502020204030204" pitchFamily="34" charset="0"/>
-              </a:defRPr>
-            </a:lvl1pPr>
-            <a:lvl2pPr marL="742950" indent="-285750">
-              <a:spcBef>
-                <a:spcPct val="20000"/>
-              </a:spcBef>
-              <a:buFont typeface="Arial" panose="020B0604020202020204" pitchFamily="34" charset="0"/>
-              <a:buChar char="–"/>
-              <a:defRPr sz="2800">
-                <a:solidFill>
-                  <a:schemeClr val="tx1"/>
-                </a:solidFill>
-                <a:latin typeface="Calibri" panose="020F0502020204030204" pitchFamily="34" charset="0"/>
-              </a:defRPr>
-            </a:lvl2pPr>
-            <a:lvl3pPr marL="1143000" indent="-228600">
-              <a:spcBef>
-                <a:spcPct val="20000"/>
-              </a:spcBef>
-              <a:buFont typeface="Arial" panose="020B0604020202020204" pitchFamily="34" charset="0"/>
-              <a:buChar char="•"/>
-              <a:defRPr sz="2400">
-                <a:solidFill>
-                  <a:schemeClr val="tx1"/>
-                </a:solidFill>
-                <a:latin typeface="Calibri" panose="020F0502020204030204" pitchFamily="34" charset="0"/>
-              </a:defRPr>
-            </a:lvl3pPr>
-            <a:lvl4pPr marL="1600200" indent="-228600">
-              <a:spcBef>
-                <a:spcPct val="20000"/>
-              </a:spcBef>
-              <a:buFont typeface="Arial" panose="020B0604020202020204" pitchFamily="34" charset="0"/>
-              <a:buChar char="–"/>
-              <a:defRPr sz="2000">
-                <a:solidFill>
-                  <a:schemeClr val="tx1"/>
-                </a:solidFill>
-                <a:latin typeface="Calibri" panose="020F0502020204030204" pitchFamily="34" charset="0"/>
-              </a:defRPr>
-            </a:lvl4pPr>
-            <a:lvl5pPr marL="2057400" indent="-228600">
-              <a:spcBef>
-                <a:spcPct val="20000"/>
-              </a:spcBef>
-              <a:buFont typeface="Arial" panose="020B0604020202020204" pitchFamily="34" charset="0"/>
-              <a:buChar char="»"/>
-              <a:defRPr sz="2000">
-                <a:solidFill>
-                  <a:schemeClr val="tx1"/>
-                </a:solidFill>
-                <a:latin typeface="Calibri" panose="020F0502020204030204" pitchFamily="34" charset="0"/>
-              </a:defRPr>
-            </a:lvl5pPr>
-            <a:lvl6pPr marL="2514600" indent="-228600" eaLnBrk="0" fontAlgn="base" hangingPunct="0">
-              <a:spcBef>
-                <a:spcPct val="20000"/>
-              </a:spcBef>
-              <a:spcAft>
-                <a:spcPct val="0"/>
-              </a:spcAft>
-              <a:buFont typeface="Arial" panose="020B0604020202020204" pitchFamily="34" charset="0"/>
-              <a:buChar char="»"/>
-              <a:defRPr sz="2000">
-                <a:solidFill>
-                  <a:schemeClr val="tx1"/>
-                </a:solidFill>
-                <a:latin typeface="Calibri" panose="020F0502020204030204" pitchFamily="34" charset="0"/>
-              </a:defRPr>
-            </a:lvl6pPr>
-            <a:lvl7pPr marL="2971800" indent="-228600" eaLnBrk="0" fontAlgn="base" hangingPunct="0">
-              <a:spcBef>
-                <a:spcPct val="20000"/>
-              </a:spcBef>
-              <a:spcAft>
-                <a:spcPct val="0"/>
-              </a:spcAft>
-              <a:buFont typeface="Arial" panose="020B0604020202020204" pitchFamily="34" charset="0"/>
-              <a:buChar char="»"/>
-              <a:defRPr sz="2000">
-                <a:solidFill>
-                  <a:schemeClr val="tx1"/>
-                </a:solidFill>
-                <a:latin typeface="Calibri" panose="020F0502020204030204" pitchFamily="34" charset="0"/>
-              </a:defRPr>
-            </a:lvl7pPr>
-            <a:lvl8pPr marL="3429000" indent="-228600" eaLnBrk="0" fontAlgn="base" hangingPunct="0">
-              <a:spcBef>
-                <a:spcPct val="20000"/>
-              </a:spcBef>
-              <a:spcAft>
-                <a:spcPct val="0"/>
-              </a:spcAft>
-              <a:buFont typeface="Arial" panose="020B0604020202020204" pitchFamily="34" charset="0"/>
-              <a:buChar char="»"/>
-              <a:defRPr sz="2000">
-                <a:solidFill>
-                  <a:schemeClr val="tx1"/>
-                </a:solidFill>
-                <a:latin typeface="Calibri" panose="020F0502020204030204" pitchFamily="34" charset="0"/>
-              </a:defRPr>
-            </a:lvl8pPr>
-            <a:lvl9pPr marL="3886200" indent="-228600" eaLnBrk="0" fontAlgn="base" hangingPunct="0">
-              <a:spcBef>
-                <a:spcPct val="20000"/>
-              </a:spcBef>
-              <a:spcAft>
-                <a:spcPct val="0"/>
-              </a:spcAft>
-              <a:buFont typeface="Arial" panose="020B0604020202020204" pitchFamily="34" charset="0"/>
-              <a:buChar char="»"/>
-              <a:defRPr sz="2000">
-                <a:solidFill>
-                  <a:schemeClr val="tx1"/>
-                </a:solidFill>
-                <a:latin typeface="Calibri" panose="020F0502020204030204" pitchFamily="34" charset="0"/>
-              </a:defRPr>
-            </a:lvl9pPr>
-          </a:lstStyle>
-          <a:p>
-            <a:pPr>
-              <a:spcBef>
-                <a:spcPct val="0"/>
-              </a:spcBef>
-              <a:buFontTx/>
-              <a:buNone/>
-            </a:pPr>
-            <a:r>
-              <a:rPr lang="en-US" altLang="en-US" sz="1600">
-                <a:latin typeface="Times" panose="02020603050405020304" pitchFamily="18" charset="0"/>
-              </a:rPr>
-              <a:t>SW</a:t>
-            </a:r>
-          </a:p>
-        </p:txBody>
-      </p:sp>
-      <p:sp>
-        <p:nvSpPr>
-          <p:cNvPr id="29" name="Text Box 125"/>
-          <p:cNvSpPr txBox="1">
-            <a:spLocks noChangeArrowheads="1"/>
-          </p:cNvSpPr>
-          <p:nvPr/>
-        </p:nvSpPr>
-        <p:spPr bwMode="auto">
-          <a:xfrm>
-            <a:off x="3273306" y="1298295"/>
-            <a:ext cx="325754" cy="369251"/>
-          </a:xfrm>
-          <a:prstGeom prst="rect">
-            <a:avLst/>
-          </a:prstGeom>
-          <a:noFill/>
-          <a:ln>
-            <a:noFill/>
-          </a:ln>
-          <a:extLst>
-            <a:ext uri="{909E8E84-426E-40DD-AFC4-6F175D3DCCD1}">
-              <a14:hiddenFill xmlns:a14="http://schemas.microsoft.com/office/drawing/2010/main">
-                <a:solidFill>
-                  <a:srgbClr val="FFFFFF"/>
-                </a:solidFill>
-              </a14:hiddenFill>
-            </a:ext>
-            <a:ext uri="{91240B29-F687-4F45-9708-019B960494DF}">
-              <a14:hiddenLine xmlns:a14="http://schemas.microsoft.com/office/drawing/2010/main" w="9525">
-                <a:solidFill>
-                  <a:srgbClr val="000000"/>
-                </a:solidFill>
-                <a:miter lim="800000"/>
-                <a:headEnd/>
-                <a:tailEnd/>
-              </a14:hiddenLine>
-            </a:ext>
-          </a:extLst>
-        </p:spPr>
-        <p:txBody>
-          <a:bodyPr wrap="none">
-            <a:spAutoFit/>
-          </a:bodyPr>
-          <a:lstStyle>
-            <a:lvl1pPr>
-              <a:spcBef>
-                <a:spcPct val="20000"/>
-              </a:spcBef>
-              <a:buFont typeface="Arial" panose="020B0604020202020204" pitchFamily="34" charset="0"/>
-              <a:buChar char="•"/>
-              <a:defRPr sz="3200">
-                <a:solidFill>
-                  <a:schemeClr val="tx1"/>
-                </a:solidFill>
-                <a:latin typeface="Calibri" panose="020F0502020204030204" pitchFamily="34" charset="0"/>
-              </a:defRPr>
-            </a:lvl1pPr>
-            <a:lvl2pPr marL="742950" indent="-285750">
-              <a:spcBef>
-                <a:spcPct val="20000"/>
-              </a:spcBef>
-              <a:buFont typeface="Arial" panose="020B0604020202020204" pitchFamily="34" charset="0"/>
-              <a:buChar char="–"/>
-              <a:defRPr sz="2800">
-                <a:solidFill>
-                  <a:schemeClr val="tx1"/>
-                </a:solidFill>
-                <a:latin typeface="Calibri" panose="020F0502020204030204" pitchFamily="34" charset="0"/>
-              </a:defRPr>
-            </a:lvl2pPr>
-            <a:lvl3pPr marL="1143000" indent="-228600">
-              <a:spcBef>
-                <a:spcPct val="20000"/>
-              </a:spcBef>
-              <a:buFont typeface="Arial" panose="020B0604020202020204" pitchFamily="34" charset="0"/>
-              <a:buChar char="•"/>
-              <a:defRPr sz="2400">
-                <a:solidFill>
-                  <a:schemeClr val="tx1"/>
-                </a:solidFill>
-                <a:latin typeface="Calibri" panose="020F0502020204030204" pitchFamily="34" charset="0"/>
-              </a:defRPr>
-            </a:lvl3pPr>
-            <a:lvl4pPr marL="1600200" indent="-228600">
-              <a:spcBef>
-                <a:spcPct val="20000"/>
-              </a:spcBef>
-              <a:buFont typeface="Arial" panose="020B0604020202020204" pitchFamily="34" charset="0"/>
-              <a:buChar char="–"/>
-              <a:defRPr sz="2000">
-                <a:solidFill>
-                  <a:schemeClr val="tx1"/>
-                </a:solidFill>
-                <a:latin typeface="Calibri" panose="020F0502020204030204" pitchFamily="34" charset="0"/>
-              </a:defRPr>
-            </a:lvl4pPr>
-            <a:lvl5pPr marL="2057400" indent="-228600">
-              <a:spcBef>
-                <a:spcPct val="20000"/>
-              </a:spcBef>
-              <a:buFont typeface="Arial" panose="020B0604020202020204" pitchFamily="34" charset="0"/>
-              <a:buChar char="»"/>
-              <a:defRPr sz="2000">
-                <a:solidFill>
-                  <a:schemeClr val="tx1"/>
-                </a:solidFill>
-                <a:latin typeface="Calibri" panose="020F0502020204030204" pitchFamily="34" charset="0"/>
-              </a:defRPr>
-            </a:lvl5pPr>
-            <a:lvl6pPr marL="2514600" indent="-228600" eaLnBrk="0" fontAlgn="base" hangingPunct="0">
-              <a:spcBef>
-                <a:spcPct val="20000"/>
-              </a:spcBef>
-              <a:spcAft>
-                <a:spcPct val="0"/>
-              </a:spcAft>
-              <a:buFont typeface="Arial" panose="020B0604020202020204" pitchFamily="34" charset="0"/>
-              <a:buChar char="»"/>
-              <a:defRPr sz="2000">
-                <a:solidFill>
-                  <a:schemeClr val="tx1"/>
-                </a:solidFill>
-                <a:latin typeface="Calibri" panose="020F0502020204030204" pitchFamily="34" charset="0"/>
-              </a:defRPr>
-            </a:lvl6pPr>
-            <a:lvl7pPr marL="2971800" indent="-228600" eaLnBrk="0" fontAlgn="base" hangingPunct="0">
-              <a:spcBef>
-                <a:spcPct val="20000"/>
-              </a:spcBef>
-              <a:spcAft>
-                <a:spcPct val="0"/>
-              </a:spcAft>
-              <a:buFont typeface="Arial" panose="020B0604020202020204" pitchFamily="34" charset="0"/>
-              <a:buChar char="»"/>
-              <a:defRPr sz="2000">
-                <a:solidFill>
-                  <a:schemeClr val="tx1"/>
-                </a:solidFill>
-                <a:latin typeface="Calibri" panose="020F0502020204030204" pitchFamily="34" charset="0"/>
-              </a:defRPr>
-            </a:lvl7pPr>
-            <a:lvl8pPr marL="3429000" indent="-228600" eaLnBrk="0" fontAlgn="base" hangingPunct="0">
-              <a:spcBef>
-                <a:spcPct val="20000"/>
-              </a:spcBef>
-              <a:spcAft>
-                <a:spcPct val="0"/>
-              </a:spcAft>
-              <a:buFont typeface="Arial" panose="020B0604020202020204" pitchFamily="34" charset="0"/>
-              <a:buChar char="»"/>
-              <a:defRPr sz="2000">
-                <a:solidFill>
-                  <a:schemeClr val="tx1"/>
-                </a:solidFill>
-                <a:latin typeface="Calibri" panose="020F0502020204030204" pitchFamily="34" charset="0"/>
-              </a:defRPr>
-            </a:lvl8pPr>
-            <a:lvl9pPr marL="3886200" indent="-228600" eaLnBrk="0" fontAlgn="base" hangingPunct="0">
-              <a:spcBef>
-                <a:spcPct val="20000"/>
-              </a:spcBef>
-              <a:spcAft>
-                <a:spcPct val="0"/>
-              </a:spcAft>
-              <a:buFont typeface="Arial" panose="020B0604020202020204" pitchFamily="34" charset="0"/>
-              <a:buChar char="»"/>
-              <a:defRPr sz="2000">
-                <a:solidFill>
-                  <a:schemeClr val="tx1"/>
-                </a:solidFill>
-                <a:latin typeface="Calibri" panose="020F0502020204030204" pitchFamily="34" charset="0"/>
-              </a:defRPr>
-            </a:lvl9pPr>
-          </a:lstStyle>
-          <a:p>
-            <a:pPr>
-              <a:spcBef>
-                <a:spcPct val="0"/>
-              </a:spcBef>
-              <a:buFontTx/>
-              <a:buNone/>
-            </a:pPr>
-            <a:r>
-              <a:rPr lang="en-US" altLang="en-US" sz="1800">
-                <a:latin typeface="Times" panose="02020603050405020304" pitchFamily="18" charset="0"/>
-              </a:rPr>
-              <a:t>L</a:t>
-            </a:r>
-          </a:p>
-        </p:txBody>
-      </p:sp>
-      <p:sp>
-        <p:nvSpPr>
-          <p:cNvPr id="30" name="Text Box 110"/>
-          <p:cNvSpPr txBox="1">
-            <a:spLocks noChangeArrowheads="1"/>
-          </p:cNvSpPr>
-          <p:nvPr/>
-        </p:nvSpPr>
-        <p:spPr bwMode="auto">
-          <a:xfrm>
-            <a:off x="3866989" y="790575"/>
-            <a:ext cx="609646" cy="461564"/>
-          </a:xfrm>
-          <a:prstGeom prst="rect">
-            <a:avLst/>
-          </a:prstGeom>
-          <a:noFill/>
-          <a:ln>
-            <a:noFill/>
-          </a:ln>
-          <a:extLst>
-            <a:ext uri="{909E8E84-426E-40DD-AFC4-6F175D3DCCD1}">
-              <a14:hiddenFill xmlns:a14="http://schemas.microsoft.com/office/drawing/2010/main">
-                <a:solidFill>
-                  <a:srgbClr val="FFFFFF"/>
-                </a:solidFill>
-              </a14:hiddenFill>
-            </a:ext>
-            <a:ext uri="{91240B29-F687-4F45-9708-019B960494DF}">
-              <a14:hiddenLine xmlns:a14="http://schemas.microsoft.com/office/drawing/2010/main" w="9525">
-                <a:solidFill>
-                  <a:srgbClr val="000000"/>
-                </a:solidFill>
-                <a:miter lim="800000"/>
-                <a:headEnd/>
-                <a:tailEnd/>
-              </a14:hiddenLine>
-            </a:ext>
-          </a:extLst>
-        </p:spPr>
-        <p:txBody>
-          <a:bodyPr>
-            <a:spAutoFit/>
-          </a:bodyPr>
-          <a:lstStyle>
-            <a:lvl1pPr>
-              <a:spcBef>
-                <a:spcPct val="20000"/>
-              </a:spcBef>
-              <a:buFont typeface="Arial" panose="020B0604020202020204" pitchFamily="34" charset="0"/>
-              <a:buChar char="•"/>
-              <a:defRPr sz="3200">
-                <a:solidFill>
-                  <a:schemeClr val="tx1"/>
-                </a:solidFill>
-                <a:latin typeface="Calibri" panose="020F0502020204030204" pitchFamily="34" charset="0"/>
-              </a:defRPr>
-            </a:lvl1pPr>
-            <a:lvl2pPr marL="742950" indent="-285750">
-              <a:spcBef>
-                <a:spcPct val="20000"/>
-              </a:spcBef>
-              <a:buFont typeface="Arial" panose="020B0604020202020204" pitchFamily="34" charset="0"/>
-              <a:buChar char="–"/>
-              <a:defRPr sz="2800">
-                <a:solidFill>
-                  <a:schemeClr val="tx1"/>
-                </a:solidFill>
-                <a:latin typeface="Calibri" panose="020F0502020204030204" pitchFamily="34" charset="0"/>
-              </a:defRPr>
-            </a:lvl2pPr>
-            <a:lvl3pPr marL="1143000" indent="-228600">
-              <a:spcBef>
-                <a:spcPct val="20000"/>
-              </a:spcBef>
-              <a:buFont typeface="Arial" panose="020B0604020202020204" pitchFamily="34" charset="0"/>
-              <a:buChar char="•"/>
-              <a:defRPr sz="2400">
-                <a:solidFill>
-                  <a:schemeClr val="tx1"/>
-                </a:solidFill>
-                <a:latin typeface="Calibri" panose="020F0502020204030204" pitchFamily="34" charset="0"/>
-              </a:defRPr>
-            </a:lvl3pPr>
-            <a:lvl4pPr marL="1600200" indent="-228600">
-              <a:spcBef>
-                <a:spcPct val="20000"/>
-              </a:spcBef>
-              <a:buFont typeface="Arial" panose="020B0604020202020204" pitchFamily="34" charset="0"/>
-              <a:buChar char="–"/>
-              <a:defRPr sz="2000">
-                <a:solidFill>
-                  <a:schemeClr val="tx1"/>
-                </a:solidFill>
-                <a:latin typeface="Calibri" panose="020F0502020204030204" pitchFamily="34" charset="0"/>
-              </a:defRPr>
-            </a:lvl4pPr>
-            <a:lvl5pPr marL="2057400" indent="-228600">
-              <a:spcBef>
-                <a:spcPct val="20000"/>
-              </a:spcBef>
-              <a:buFont typeface="Arial" panose="020B0604020202020204" pitchFamily="34" charset="0"/>
-              <a:buChar char="»"/>
-              <a:defRPr sz="2000">
-                <a:solidFill>
-                  <a:schemeClr val="tx1"/>
-                </a:solidFill>
-                <a:latin typeface="Calibri" panose="020F0502020204030204" pitchFamily="34" charset="0"/>
-              </a:defRPr>
-            </a:lvl5pPr>
-            <a:lvl6pPr marL="2514600" indent="-228600" eaLnBrk="0" fontAlgn="base" hangingPunct="0">
-              <a:spcBef>
-                <a:spcPct val="20000"/>
-              </a:spcBef>
-              <a:spcAft>
-                <a:spcPct val="0"/>
-              </a:spcAft>
-              <a:buFont typeface="Arial" panose="020B0604020202020204" pitchFamily="34" charset="0"/>
-              <a:buChar char="»"/>
-              <a:defRPr sz="2000">
-                <a:solidFill>
-                  <a:schemeClr val="tx1"/>
-                </a:solidFill>
-                <a:latin typeface="Calibri" panose="020F0502020204030204" pitchFamily="34" charset="0"/>
-              </a:defRPr>
-            </a:lvl6pPr>
-            <a:lvl7pPr marL="2971800" indent="-228600" eaLnBrk="0" fontAlgn="base" hangingPunct="0">
-              <a:spcBef>
-                <a:spcPct val="20000"/>
-              </a:spcBef>
-              <a:spcAft>
-                <a:spcPct val="0"/>
-              </a:spcAft>
-              <a:buFont typeface="Arial" panose="020B0604020202020204" pitchFamily="34" charset="0"/>
-              <a:buChar char="»"/>
-              <a:defRPr sz="2000">
-                <a:solidFill>
-                  <a:schemeClr val="tx1"/>
-                </a:solidFill>
-                <a:latin typeface="Calibri" panose="020F0502020204030204" pitchFamily="34" charset="0"/>
-              </a:defRPr>
-            </a:lvl7pPr>
-            <a:lvl8pPr marL="3429000" indent="-228600" eaLnBrk="0" fontAlgn="base" hangingPunct="0">
-              <a:spcBef>
-                <a:spcPct val="20000"/>
-              </a:spcBef>
-              <a:spcAft>
-                <a:spcPct val="0"/>
-              </a:spcAft>
-              <a:buFont typeface="Arial" panose="020B0604020202020204" pitchFamily="34" charset="0"/>
-              <a:buChar char="»"/>
-              <a:defRPr sz="2000">
-                <a:solidFill>
-                  <a:schemeClr val="tx1"/>
-                </a:solidFill>
-                <a:latin typeface="Calibri" panose="020F0502020204030204" pitchFamily="34" charset="0"/>
-              </a:defRPr>
-            </a:lvl8pPr>
-            <a:lvl9pPr marL="3886200" indent="-228600" eaLnBrk="0" fontAlgn="base" hangingPunct="0">
-              <a:spcBef>
-                <a:spcPct val="20000"/>
-              </a:spcBef>
-              <a:spcAft>
-                <a:spcPct val="0"/>
-              </a:spcAft>
-              <a:buFont typeface="Arial" panose="020B0604020202020204" pitchFamily="34" charset="0"/>
-              <a:buChar char="»"/>
-              <a:defRPr sz="2000">
-                <a:solidFill>
-                  <a:schemeClr val="tx1"/>
-                </a:solidFill>
-                <a:latin typeface="Calibri" panose="020F0502020204030204" pitchFamily="34" charset="0"/>
-              </a:defRPr>
-            </a:lvl9pPr>
-          </a:lstStyle>
-          <a:p>
-            <a:pPr>
-              <a:spcBef>
-                <a:spcPct val="0"/>
-              </a:spcBef>
-              <a:buFontTx/>
-              <a:buNone/>
-            </a:pPr>
-            <a:r>
-              <a:rPr lang="en-US" altLang="en-US" sz="2400">
-                <a:latin typeface="Times" panose="02020603050405020304" pitchFamily="18" charset="0"/>
-              </a:rPr>
-              <a:t>i</a:t>
-            </a:r>
-            <a:r>
-              <a:rPr lang="en-US" altLang="en-US" sz="2400" baseline="-25000">
-                <a:latin typeface="Times" panose="02020603050405020304" pitchFamily="18" charset="0"/>
-              </a:rPr>
-              <a:t>m</a:t>
-            </a:r>
-            <a:endParaRPr lang="en-US" altLang="en-US" sz="2400">
-              <a:latin typeface="Times" panose="02020603050405020304" pitchFamily="18" charset="0"/>
-            </a:endParaRPr>
-          </a:p>
-        </p:txBody>
-      </p:sp>
-      <p:sp>
-        <p:nvSpPr>
-          <p:cNvPr id="31" name="Text Box 110"/>
-          <p:cNvSpPr txBox="1">
-            <a:spLocks noChangeArrowheads="1"/>
-          </p:cNvSpPr>
-          <p:nvPr/>
-        </p:nvSpPr>
-        <p:spPr bwMode="auto">
-          <a:xfrm>
-            <a:off x="2152616" y="1875970"/>
-            <a:ext cx="609646" cy="461564"/>
-          </a:xfrm>
-          <a:prstGeom prst="rect">
-            <a:avLst/>
-          </a:prstGeom>
-          <a:noFill/>
-          <a:ln>
-            <a:noFill/>
-          </a:ln>
-          <a:extLst>
-            <a:ext uri="{909E8E84-426E-40DD-AFC4-6F175D3DCCD1}">
-              <a14:hiddenFill xmlns:a14="http://schemas.microsoft.com/office/drawing/2010/main">
-                <a:solidFill>
-                  <a:srgbClr val="FFFFFF"/>
-                </a:solidFill>
-              </a14:hiddenFill>
-            </a:ext>
-            <a:ext uri="{91240B29-F687-4F45-9708-019B960494DF}">
-              <a14:hiddenLine xmlns:a14="http://schemas.microsoft.com/office/drawing/2010/main" w="9525">
-                <a:solidFill>
-                  <a:srgbClr val="000000"/>
-                </a:solidFill>
-                <a:miter lim="800000"/>
-                <a:headEnd/>
-                <a:tailEnd/>
-              </a14:hiddenLine>
-            </a:ext>
-          </a:extLst>
-        </p:spPr>
-        <p:txBody>
-          <a:bodyPr>
-            <a:spAutoFit/>
-          </a:bodyPr>
-          <a:lstStyle>
-            <a:lvl1pPr>
-              <a:spcBef>
-                <a:spcPct val="20000"/>
-              </a:spcBef>
-              <a:buFont typeface="Arial" panose="020B0604020202020204" pitchFamily="34" charset="0"/>
-              <a:buChar char="•"/>
-              <a:defRPr sz="3200">
-                <a:solidFill>
-                  <a:schemeClr val="tx1"/>
-                </a:solidFill>
-                <a:latin typeface="Calibri" panose="020F0502020204030204" pitchFamily="34" charset="0"/>
-              </a:defRPr>
-            </a:lvl1pPr>
-            <a:lvl2pPr marL="742950" indent="-285750">
-              <a:spcBef>
-                <a:spcPct val="20000"/>
-              </a:spcBef>
-              <a:buFont typeface="Arial" panose="020B0604020202020204" pitchFamily="34" charset="0"/>
-              <a:buChar char="–"/>
-              <a:defRPr sz="2800">
-                <a:solidFill>
-                  <a:schemeClr val="tx1"/>
-                </a:solidFill>
-                <a:latin typeface="Calibri" panose="020F0502020204030204" pitchFamily="34" charset="0"/>
-              </a:defRPr>
-            </a:lvl2pPr>
-            <a:lvl3pPr marL="1143000" indent="-228600">
-              <a:spcBef>
-                <a:spcPct val="20000"/>
-              </a:spcBef>
-              <a:buFont typeface="Arial" panose="020B0604020202020204" pitchFamily="34" charset="0"/>
-              <a:buChar char="•"/>
-              <a:defRPr sz="2400">
-                <a:solidFill>
-                  <a:schemeClr val="tx1"/>
-                </a:solidFill>
-                <a:latin typeface="Calibri" panose="020F0502020204030204" pitchFamily="34" charset="0"/>
-              </a:defRPr>
-            </a:lvl3pPr>
-            <a:lvl4pPr marL="1600200" indent="-228600">
-              <a:spcBef>
-                <a:spcPct val="20000"/>
-              </a:spcBef>
-              <a:buFont typeface="Arial" panose="020B0604020202020204" pitchFamily="34" charset="0"/>
-              <a:buChar char="–"/>
-              <a:defRPr sz="2000">
-                <a:solidFill>
-                  <a:schemeClr val="tx1"/>
-                </a:solidFill>
-                <a:latin typeface="Calibri" panose="020F0502020204030204" pitchFamily="34" charset="0"/>
-              </a:defRPr>
-            </a:lvl4pPr>
-            <a:lvl5pPr marL="2057400" indent="-228600">
-              <a:spcBef>
-                <a:spcPct val="20000"/>
-              </a:spcBef>
-              <a:buFont typeface="Arial" panose="020B0604020202020204" pitchFamily="34" charset="0"/>
-              <a:buChar char="»"/>
-              <a:defRPr sz="2000">
-                <a:solidFill>
-                  <a:schemeClr val="tx1"/>
-                </a:solidFill>
-                <a:latin typeface="Calibri" panose="020F0502020204030204" pitchFamily="34" charset="0"/>
-              </a:defRPr>
-            </a:lvl5pPr>
-            <a:lvl6pPr marL="2514600" indent="-228600" eaLnBrk="0" fontAlgn="base" hangingPunct="0">
-              <a:spcBef>
-                <a:spcPct val="20000"/>
-              </a:spcBef>
-              <a:spcAft>
-                <a:spcPct val="0"/>
-              </a:spcAft>
-              <a:buFont typeface="Arial" panose="020B0604020202020204" pitchFamily="34" charset="0"/>
-              <a:buChar char="»"/>
-              <a:defRPr sz="2000">
-                <a:solidFill>
-                  <a:schemeClr val="tx1"/>
-                </a:solidFill>
-                <a:latin typeface="Calibri" panose="020F0502020204030204" pitchFamily="34" charset="0"/>
-              </a:defRPr>
-            </a:lvl6pPr>
-            <a:lvl7pPr marL="2971800" indent="-228600" eaLnBrk="0" fontAlgn="base" hangingPunct="0">
-              <a:spcBef>
-                <a:spcPct val="20000"/>
-              </a:spcBef>
-              <a:spcAft>
-                <a:spcPct val="0"/>
-              </a:spcAft>
-              <a:buFont typeface="Arial" panose="020B0604020202020204" pitchFamily="34" charset="0"/>
-              <a:buChar char="»"/>
-              <a:defRPr sz="2000">
-                <a:solidFill>
-                  <a:schemeClr val="tx1"/>
-                </a:solidFill>
-                <a:latin typeface="Calibri" panose="020F0502020204030204" pitchFamily="34" charset="0"/>
-              </a:defRPr>
-            </a:lvl7pPr>
-            <a:lvl8pPr marL="3429000" indent="-228600" eaLnBrk="0" fontAlgn="base" hangingPunct="0">
-              <a:spcBef>
-                <a:spcPct val="20000"/>
-              </a:spcBef>
-              <a:spcAft>
-                <a:spcPct val="0"/>
-              </a:spcAft>
-              <a:buFont typeface="Arial" panose="020B0604020202020204" pitchFamily="34" charset="0"/>
-              <a:buChar char="»"/>
-              <a:defRPr sz="2000">
-                <a:solidFill>
-                  <a:schemeClr val="tx1"/>
-                </a:solidFill>
-                <a:latin typeface="Calibri" panose="020F0502020204030204" pitchFamily="34" charset="0"/>
-              </a:defRPr>
-            </a:lvl8pPr>
-            <a:lvl9pPr marL="3886200" indent="-228600" eaLnBrk="0" fontAlgn="base" hangingPunct="0">
-              <a:spcBef>
-                <a:spcPct val="20000"/>
-              </a:spcBef>
-              <a:spcAft>
-                <a:spcPct val="0"/>
-              </a:spcAft>
-              <a:buFont typeface="Arial" panose="020B0604020202020204" pitchFamily="34" charset="0"/>
-              <a:buChar char="»"/>
-              <a:defRPr sz="2000">
-                <a:solidFill>
-                  <a:schemeClr val="tx1"/>
-                </a:solidFill>
-                <a:latin typeface="Calibri" panose="020F0502020204030204" pitchFamily="34" charset="0"/>
-              </a:defRPr>
-            </a:lvl9pPr>
-          </a:lstStyle>
-          <a:p>
-            <a:pPr>
-              <a:spcBef>
-                <a:spcPct val="0"/>
-              </a:spcBef>
-              <a:buFontTx/>
-              <a:buNone/>
-            </a:pPr>
-            <a:r>
-              <a:rPr lang="en-US" altLang="en-US" sz="2400">
-                <a:latin typeface="Times" panose="02020603050405020304" pitchFamily="18" charset="0"/>
-              </a:rPr>
-              <a:t>R</a:t>
-            </a:r>
-            <a:r>
-              <a:rPr lang="en-US" altLang="en-US" sz="2400" baseline="-25000">
-                <a:latin typeface="Times" panose="02020603050405020304" pitchFamily="18" charset="0"/>
-              </a:rPr>
-              <a:t>m</a:t>
-            </a:r>
-            <a:endParaRPr lang="en-US" altLang="en-US" sz="2400">
-              <a:latin typeface="Times" panose="02020603050405020304" pitchFamily="18" charset="0"/>
-            </a:endParaRPr>
-          </a:p>
-        </p:txBody>
-      </p:sp>
-      <p:grpSp>
-        <p:nvGrpSpPr>
-          <p:cNvPr id="58" name="Group 57"/>
-          <p:cNvGrpSpPr>
-            <a:grpSpLocks/>
-          </p:cNvGrpSpPr>
-          <p:nvPr/>
-        </p:nvGrpSpPr>
-        <p:grpSpPr bwMode="auto">
-          <a:xfrm rot="5400000">
-            <a:off x="2813804" y="4153504"/>
-            <a:ext cx="1631735" cy="220724"/>
-            <a:chOff x="144" y="1920"/>
-            <a:chExt cx="1584" cy="192"/>
-          </a:xfrm>
-        </p:grpSpPr>
-        <p:sp>
-          <p:nvSpPr>
-            <p:cNvPr id="59" name="Line 48"/>
-            <p:cNvSpPr>
-              <a:spLocks noChangeShapeType="1"/>
-            </p:cNvSpPr>
-            <p:nvPr/>
-          </p:nvSpPr>
-          <p:spPr bwMode="auto">
-            <a:xfrm flipV="1">
-              <a:off x="528" y="1920"/>
-              <a:ext cx="96" cy="96"/>
-            </a:xfrm>
-            <a:prstGeom prst="line">
-              <a:avLst/>
-            </a:prstGeom>
-            <a:noFill/>
-            <a:ln w="15875">
-              <a:solidFill>
-                <a:schemeClr val="tx1"/>
-              </a:solidFill>
-              <a:round/>
-              <a:headEnd/>
-              <a:tailEnd/>
-            </a:ln>
-            <a:extLst>
-              <a:ext uri="{909E8E84-426E-40DD-AFC4-6F175D3DCCD1}">
-                <a14:hiddenFill xmlns:a14="http://schemas.microsoft.com/office/drawing/2010/main">
-                  <a:noFill/>
-                </a14:hiddenFill>
-              </a:ext>
-            </a:extLst>
-          </p:spPr>
-          <p:txBody>
-            <a:bodyPr wrap="none" anchor="ctr"/>
-            <a:lstStyle/>
-            <a:p>
-              <a:endParaRPr lang="en-US"/>
-            </a:p>
-          </p:txBody>
-        </p:sp>
-        <p:sp>
-          <p:nvSpPr>
-            <p:cNvPr id="60" name="Line 49"/>
-            <p:cNvSpPr>
-              <a:spLocks noChangeShapeType="1"/>
-            </p:cNvSpPr>
-            <p:nvPr/>
-          </p:nvSpPr>
-          <p:spPr bwMode="auto">
-            <a:xfrm>
-              <a:off x="624" y="1920"/>
-              <a:ext cx="96" cy="192"/>
-            </a:xfrm>
-            <a:prstGeom prst="line">
-              <a:avLst/>
-            </a:prstGeom>
-            <a:noFill/>
-            <a:ln w="15875">
-              <a:solidFill>
-                <a:schemeClr val="tx1"/>
-              </a:solidFill>
-              <a:round/>
-              <a:headEnd/>
-              <a:tailEnd/>
-            </a:ln>
-            <a:extLst>
-              <a:ext uri="{909E8E84-426E-40DD-AFC4-6F175D3DCCD1}">
-                <a14:hiddenFill xmlns:a14="http://schemas.microsoft.com/office/drawing/2010/main">
-                  <a:noFill/>
-                </a14:hiddenFill>
-              </a:ext>
-            </a:extLst>
-          </p:spPr>
-          <p:txBody>
-            <a:bodyPr wrap="none" anchor="ctr"/>
-            <a:lstStyle/>
-            <a:p>
-              <a:endParaRPr lang="en-US"/>
-            </a:p>
-          </p:txBody>
-        </p:sp>
-        <p:sp>
-          <p:nvSpPr>
-            <p:cNvPr id="61" name="Line 50"/>
-            <p:cNvSpPr>
-              <a:spLocks noChangeShapeType="1"/>
-            </p:cNvSpPr>
-            <p:nvPr/>
-          </p:nvSpPr>
-          <p:spPr bwMode="auto">
-            <a:xfrm flipV="1">
-              <a:off x="720" y="1920"/>
-              <a:ext cx="144" cy="192"/>
-            </a:xfrm>
-            <a:prstGeom prst="line">
-              <a:avLst/>
-            </a:prstGeom>
-            <a:noFill/>
-            <a:ln w="15875">
-              <a:solidFill>
-                <a:schemeClr val="tx1"/>
-              </a:solidFill>
-              <a:round/>
-              <a:headEnd/>
-              <a:tailEnd/>
-            </a:ln>
-            <a:extLst>
-              <a:ext uri="{909E8E84-426E-40DD-AFC4-6F175D3DCCD1}">
-                <a14:hiddenFill xmlns:a14="http://schemas.microsoft.com/office/drawing/2010/main">
-                  <a:noFill/>
-                </a14:hiddenFill>
-              </a:ext>
-            </a:extLst>
-          </p:spPr>
-          <p:txBody>
-            <a:bodyPr wrap="none" anchor="ctr"/>
-            <a:lstStyle/>
-            <a:p>
-              <a:endParaRPr lang="en-US"/>
-            </a:p>
-          </p:txBody>
-        </p:sp>
-        <p:sp>
-          <p:nvSpPr>
-            <p:cNvPr id="62" name="Line 51"/>
-            <p:cNvSpPr>
-              <a:spLocks noChangeShapeType="1"/>
-            </p:cNvSpPr>
-            <p:nvPr/>
-          </p:nvSpPr>
-          <p:spPr bwMode="auto">
-            <a:xfrm>
-              <a:off x="864" y="1920"/>
-              <a:ext cx="96" cy="192"/>
-            </a:xfrm>
-            <a:prstGeom prst="line">
-              <a:avLst/>
-            </a:prstGeom>
-            <a:noFill/>
-            <a:ln w="15875">
-              <a:solidFill>
-                <a:schemeClr val="tx1"/>
-              </a:solidFill>
-              <a:round/>
-              <a:headEnd/>
-              <a:tailEnd/>
-            </a:ln>
-            <a:extLst>
-              <a:ext uri="{909E8E84-426E-40DD-AFC4-6F175D3DCCD1}">
-                <a14:hiddenFill xmlns:a14="http://schemas.microsoft.com/office/drawing/2010/main">
-                  <a:noFill/>
-                </a14:hiddenFill>
-              </a:ext>
-            </a:extLst>
-          </p:spPr>
-          <p:txBody>
-            <a:bodyPr wrap="none" anchor="ctr"/>
-            <a:lstStyle/>
-            <a:p>
-              <a:endParaRPr lang="en-US"/>
-            </a:p>
-          </p:txBody>
-        </p:sp>
-        <p:sp>
-          <p:nvSpPr>
-            <p:cNvPr id="63" name="Line 52"/>
-            <p:cNvSpPr>
-              <a:spLocks noChangeShapeType="1"/>
-            </p:cNvSpPr>
-            <p:nvPr/>
-          </p:nvSpPr>
-          <p:spPr bwMode="auto">
-            <a:xfrm flipV="1">
-              <a:off x="960" y="1920"/>
-              <a:ext cx="144" cy="192"/>
-            </a:xfrm>
-            <a:prstGeom prst="line">
-              <a:avLst/>
-            </a:prstGeom>
-            <a:noFill/>
-            <a:ln w="15875">
-              <a:solidFill>
-                <a:schemeClr val="tx1"/>
-              </a:solidFill>
-              <a:round/>
-              <a:headEnd/>
-              <a:tailEnd/>
-            </a:ln>
-            <a:extLst>
-              <a:ext uri="{909E8E84-426E-40DD-AFC4-6F175D3DCCD1}">
-                <a14:hiddenFill xmlns:a14="http://schemas.microsoft.com/office/drawing/2010/main">
-                  <a:noFill/>
-                </a14:hiddenFill>
-              </a:ext>
-            </a:extLst>
-          </p:spPr>
-          <p:txBody>
-            <a:bodyPr wrap="none" anchor="ctr"/>
-            <a:lstStyle/>
-            <a:p>
-              <a:endParaRPr lang="en-US"/>
-            </a:p>
-          </p:txBody>
-        </p:sp>
-        <p:sp>
-          <p:nvSpPr>
-            <p:cNvPr id="64" name="Line 53"/>
-            <p:cNvSpPr>
-              <a:spLocks noChangeShapeType="1"/>
-            </p:cNvSpPr>
-            <p:nvPr/>
-          </p:nvSpPr>
-          <p:spPr bwMode="auto">
-            <a:xfrm>
-              <a:off x="1104" y="1920"/>
-              <a:ext cx="96" cy="192"/>
-            </a:xfrm>
-            <a:prstGeom prst="line">
-              <a:avLst/>
-            </a:prstGeom>
-            <a:noFill/>
-            <a:ln w="15875">
-              <a:solidFill>
-                <a:schemeClr val="tx1"/>
-              </a:solidFill>
-              <a:round/>
-              <a:headEnd/>
-              <a:tailEnd/>
-            </a:ln>
-            <a:extLst>
-              <a:ext uri="{909E8E84-426E-40DD-AFC4-6F175D3DCCD1}">
-                <a14:hiddenFill xmlns:a14="http://schemas.microsoft.com/office/drawing/2010/main">
-                  <a:noFill/>
-                </a14:hiddenFill>
-              </a:ext>
-            </a:extLst>
-          </p:spPr>
-          <p:txBody>
-            <a:bodyPr wrap="none" anchor="ctr"/>
-            <a:lstStyle/>
-            <a:p>
-              <a:endParaRPr lang="en-US"/>
-            </a:p>
-          </p:txBody>
-        </p:sp>
-        <p:sp>
-          <p:nvSpPr>
-            <p:cNvPr id="65" name="Line 54"/>
-            <p:cNvSpPr>
-              <a:spLocks noChangeShapeType="1"/>
-            </p:cNvSpPr>
-            <p:nvPr/>
-          </p:nvSpPr>
-          <p:spPr bwMode="auto">
-            <a:xfrm flipV="1">
-              <a:off x="1200" y="2016"/>
-              <a:ext cx="96" cy="96"/>
-            </a:xfrm>
-            <a:prstGeom prst="line">
-              <a:avLst/>
-            </a:prstGeom>
-            <a:noFill/>
-            <a:ln w="15875">
-              <a:solidFill>
-                <a:schemeClr val="tx1"/>
-              </a:solidFill>
-              <a:round/>
-              <a:headEnd/>
-              <a:tailEnd/>
-            </a:ln>
-            <a:extLst>
-              <a:ext uri="{909E8E84-426E-40DD-AFC4-6F175D3DCCD1}">
-                <a14:hiddenFill xmlns:a14="http://schemas.microsoft.com/office/drawing/2010/main">
-                  <a:noFill/>
-                </a14:hiddenFill>
-              </a:ext>
-            </a:extLst>
-          </p:spPr>
-          <p:txBody>
-            <a:bodyPr wrap="none" anchor="ctr"/>
-            <a:lstStyle/>
-            <a:p>
-              <a:endParaRPr lang="en-US"/>
-            </a:p>
-          </p:txBody>
-        </p:sp>
-        <p:sp>
-          <p:nvSpPr>
-            <p:cNvPr id="66" name="Line 55"/>
-            <p:cNvSpPr>
-              <a:spLocks noChangeShapeType="1"/>
-            </p:cNvSpPr>
-            <p:nvPr/>
-          </p:nvSpPr>
-          <p:spPr bwMode="auto">
-            <a:xfrm>
-              <a:off x="1296" y="2016"/>
-              <a:ext cx="432" cy="0"/>
-            </a:xfrm>
-            <a:prstGeom prst="line">
-              <a:avLst/>
-            </a:prstGeom>
-            <a:noFill/>
-            <a:ln w="15875">
-              <a:solidFill>
-                <a:schemeClr val="tx1"/>
-              </a:solidFill>
-              <a:round/>
-              <a:headEnd/>
-              <a:tailEnd/>
-            </a:ln>
-            <a:extLst>
-              <a:ext uri="{909E8E84-426E-40DD-AFC4-6F175D3DCCD1}">
-                <a14:hiddenFill xmlns:a14="http://schemas.microsoft.com/office/drawing/2010/main">
-                  <a:noFill/>
-                </a14:hiddenFill>
-              </a:ext>
-            </a:extLst>
-          </p:spPr>
-          <p:txBody>
-            <a:bodyPr wrap="none" anchor="ctr"/>
-            <a:lstStyle/>
-            <a:p>
-              <a:endParaRPr lang="en-US"/>
-            </a:p>
-          </p:txBody>
-        </p:sp>
-        <p:sp>
-          <p:nvSpPr>
-            <p:cNvPr id="67" name="Line 56"/>
-            <p:cNvSpPr>
-              <a:spLocks noChangeShapeType="1"/>
-            </p:cNvSpPr>
-            <p:nvPr/>
-          </p:nvSpPr>
-          <p:spPr bwMode="auto">
-            <a:xfrm flipH="1">
-              <a:off x="144" y="2016"/>
-              <a:ext cx="384" cy="0"/>
-            </a:xfrm>
-            <a:prstGeom prst="line">
-              <a:avLst/>
-            </a:prstGeom>
-            <a:noFill/>
-            <a:ln w="15875">
-              <a:solidFill>
-                <a:schemeClr val="tx1"/>
-              </a:solidFill>
-              <a:round/>
-              <a:headEnd/>
-              <a:tailEnd/>
-            </a:ln>
-            <a:extLst>
-              <a:ext uri="{909E8E84-426E-40DD-AFC4-6F175D3DCCD1}">
-                <a14:hiddenFill xmlns:a14="http://schemas.microsoft.com/office/drawing/2010/main">
-                  <a:noFill/>
-                </a14:hiddenFill>
-              </a:ext>
-            </a:extLst>
-          </p:spPr>
-          <p:txBody>
-            <a:bodyPr wrap="none" anchor="ctr"/>
-            <a:lstStyle/>
-            <a:p>
-              <a:endParaRPr lang="en-US"/>
-            </a:p>
-          </p:txBody>
-        </p:sp>
-      </p:grpSp>
-      <p:sp>
-        <p:nvSpPr>
-          <p:cNvPr id="68" name="Oval 67"/>
-          <p:cNvSpPr/>
-          <p:nvPr/>
-        </p:nvSpPr>
-        <p:spPr>
-          <a:xfrm>
-            <a:off x="2661404" y="5200650"/>
-            <a:ext cx="100858" cy="123825"/>
-          </a:xfrm>
-          <a:prstGeom prst="ellipse">
-            <a:avLst/>
-          </a:prstGeom>
-          <a:solidFill>
-            <a:schemeClr val="tx1"/>
-          </a:solidFill>
-          <a:ln>
-            <a:noFill/>
-          </a:ln>
-        </p:spPr>
-        <p:style>
-          <a:lnRef idx="2">
-            <a:schemeClr val="accent1">
-              <a:shade val="50000"/>
-            </a:schemeClr>
-          </a:lnRef>
-          <a:fillRef idx="1">
-            <a:schemeClr val="accent1"/>
-          </a:fillRef>
-          <a:effectRef idx="0">
-            <a:schemeClr val="accent1"/>
-          </a:effectRef>
-          <a:fontRef idx="minor">
-            <a:schemeClr val="lt1"/>
-          </a:fontRef>
-        </p:style>
-        <p:txBody>
-          <a:bodyPr rtlCol="0" anchor="ctr"/>
-          <a:lstStyle/>
-          <a:p>
-            <a:pPr algn="ctr"/>
-            <a:endParaRPr lang="en-US"/>
-          </a:p>
-        </p:txBody>
-      </p:sp>
-    </p:spTree>
-    <p:extLst>
-      <p:ext uri="{BB962C8B-B14F-4D97-AF65-F5344CB8AC3E}">
-        <p14:creationId xmlns:p14="http://schemas.microsoft.com/office/powerpoint/2010/main" val="3853360640"/>
-      </p:ext>
-    </p:extLst>
-  </p:cSld>
-  <p:clrMapOvr>
-    <a:masterClrMapping/>
-  </p:clrMapOvr>
+  <p:timing>
+    <p:tnLst>
+      <p:par>
+        <p:cTn id="1" dur="indefinite" restart="never" nodeType="tmRoot"/>
+      </p:par>
+    </p:tnLst>
+  </p:timing>
 </p:sld>
 </file>
 

--- a/AtodTestPRU/TSL1401-BBBlue-interface.pptx
+++ b/AtodTestPRU/TSL1401-BBBlue-interface.pptx
@@ -6124,6 +6124,66 @@
           </a:p>
         </p:txBody>
       </p:sp>
+      <p:sp>
+        <p:nvSpPr>
+          <p:cNvPr id="81" name="TextBox 80"/>
+          <p:cNvSpPr txBox="1"/>
+          <p:nvPr/>
+        </p:nvSpPr>
+        <p:spPr>
+          <a:xfrm>
+            <a:off x="7603725" y="1079172"/>
+            <a:ext cx="463588" cy="369332"/>
+          </a:xfrm>
+          <a:prstGeom prst="rect">
+            <a:avLst/>
+          </a:prstGeom>
+          <a:noFill/>
+        </p:spPr>
+        <p:txBody>
+          <a:bodyPr wrap="none" rtlCol="0">
+            <a:spAutoFit/>
+          </a:bodyPr>
+          <a:lstStyle/>
+          <a:p>
+            <a:r>
+              <a:rPr lang="en-US" dirty="0" err="1" smtClean="0"/>
+              <a:t>blk</a:t>
+            </a:r>
+            <a:endParaRPr lang="en-US" dirty="0"/>
+          </a:p>
+        </p:txBody>
+      </p:sp>
+      <p:sp>
+        <p:nvSpPr>
+          <p:cNvPr id="84" name="TextBox 83"/>
+          <p:cNvSpPr txBox="1"/>
+          <p:nvPr/>
+        </p:nvSpPr>
+        <p:spPr>
+          <a:xfrm>
+            <a:off x="6998814" y="1072891"/>
+            <a:ext cx="546432" cy="369332"/>
+          </a:xfrm>
+          <a:prstGeom prst="rect">
+            <a:avLst/>
+          </a:prstGeom>
+          <a:noFill/>
+        </p:spPr>
+        <p:txBody>
+          <a:bodyPr wrap="none" rtlCol="0">
+            <a:spAutoFit/>
+          </a:bodyPr>
+          <a:lstStyle/>
+          <a:p>
+            <a:r>
+              <a:rPr lang="en-US" dirty="0" err="1" smtClean="0"/>
+              <a:t>wht</a:t>
+            </a:r>
+            <a:endParaRPr lang="en-US" dirty="0"/>
+          </a:p>
+        </p:txBody>
+      </p:sp>
     </p:spTree>
     <p:extLst>
       <p:ext uri="{BB962C8B-B14F-4D97-AF65-F5344CB8AC3E}">
